--- a/蚁群优化算法.pptx
+++ b/蚁群优化算法.pptx
@@ -243,7 +243,7 @@
             <a:fld id="{C8AD77B4-E4B4-4D3C-A9C5-EB900FF3B15E}" type="datetimeFigureOut">
               <a:rPr lang="zh-CN" altLang="en-US" smtClean="0"/>
               <a:pPr/>
-              <a:t>2018-11-07</a:t>
+              <a:t>2018-11-09</a:t>
             </a:fld>
             <a:endParaRPr lang="zh-CN" altLang="en-US"/>
           </a:p>
@@ -643,7 +643,7 @@
             <a:fld id="{281D302F-5E2D-4FF9-A986-02603DCE6FDA}" type="datetimeFigureOut">
               <a:rPr lang="zh-CN" altLang="en-US" smtClean="0"/>
               <a:pPr/>
-              <a:t>2018-11-07</a:t>
+              <a:t>2018-11-09</a:t>
             </a:fld>
             <a:endParaRPr lang="zh-CN" altLang="en-US"/>
           </a:p>
@@ -815,7 +815,7 @@
             <a:fld id="{281D302F-5E2D-4FF9-A986-02603DCE6FDA}" type="datetimeFigureOut">
               <a:rPr lang="zh-CN" altLang="en-US" smtClean="0"/>
               <a:pPr/>
-              <a:t>2018-11-07</a:t>
+              <a:t>2018-11-09</a:t>
             </a:fld>
             <a:endParaRPr lang="zh-CN" altLang="en-US"/>
           </a:p>
@@ -997,7 +997,7 @@
             <a:fld id="{281D302F-5E2D-4FF9-A986-02603DCE6FDA}" type="datetimeFigureOut">
               <a:rPr lang="zh-CN" altLang="en-US" smtClean="0"/>
               <a:pPr/>
-              <a:t>2018-11-07</a:t>
+              <a:t>2018-11-09</a:t>
             </a:fld>
             <a:endParaRPr lang="zh-CN" altLang="en-US"/>
           </a:p>
@@ -1169,7 +1169,7 @@
             <a:fld id="{281D302F-5E2D-4FF9-A986-02603DCE6FDA}" type="datetimeFigureOut">
               <a:rPr lang="zh-CN" altLang="en-US" smtClean="0"/>
               <a:pPr/>
-              <a:t>2018-11-07</a:t>
+              <a:t>2018-11-09</a:t>
             </a:fld>
             <a:endParaRPr lang="zh-CN" altLang="en-US"/>
           </a:p>
@@ -1415,7 +1415,7 @@
             <a:fld id="{281D302F-5E2D-4FF9-A986-02603DCE6FDA}" type="datetimeFigureOut">
               <a:rPr lang="zh-CN" altLang="en-US" smtClean="0"/>
               <a:pPr/>
-              <a:t>2018-11-07</a:t>
+              <a:t>2018-11-09</a:t>
             </a:fld>
             <a:endParaRPr lang="zh-CN" altLang="en-US"/>
           </a:p>
@@ -1649,7 +1649,7 @@
             <a:fld id="{281D302F-5E2D-4FF9-A986-02603DCE6FDA}" type="datetimeFigureOut">
               <a:rPr lang="zh-CN" altLang="en-US" smtClean="0"/>
               <a:pPr/>
-              <a:t>2018-11-07</a:t>
+              <a:t>2018-11-09</a:t>
             </a:fld>
             <a:endParaRPr lang="zh-CN" altLang="en-US"/>
           </a:p>
@@ -2018,7 +2018,7 @@
             <a:fld id="{281D302F-5E2D-4FF9-A986-02603DCE6FDA}" type="datetimeFigureOut">
               <a:rPr lang="zh-CN" altLang="en-US" smtClean="0"/>
               <a:pPr/>
-              <a:t>2018-11-07</a:t>
+              <a:t>2018-11-09</a:t>
             </a:fld>
             <a:endParaRPr lang="zh-CN" altLang="en-US"/>
           </a:p>
@@ -2138,7 +2138,7 @@
             <a:fld id="{281D302F-5E2D-4FF9-A986-02603DCE6FDA}" type="datetimeFigureOut">
               <a:rPr lang="zh-CN" altLang="en-US" smtClean="0"/>
               <a:pPr/>
-              <a:t>2018-11-07</a:t>
+              <a:t>2018-11-09</a:t>
             </a:fld>
             <a:endParaRPr lang="zh-CN" altLang="en-US"/>
           </a:p>
@@ -2235,7 +2235,7 @@
             <a:fld id="{281D302F-5E2D-4FF9-A986-02603DCE6FDA}" type="datetimeFigureOut">
               <a:rPr lang="zh-CN" altLang="en-US" smtClean="0"/>
               <a:pPr/>
-              <a:t>2018-11-07</a:t>
+              <a:t>2018-11-09</a:t>
             </a:fld>
             <a:endParaRPr lang="zh-CN" altLang="en-US"/>
           </a:p>
@@ -2514,7 +2514,7 @@
             <a:fld id="{281D302F-5E2D-4FF9-A986-02603DCE6FDA}" type="datetimeFigureOut">
               <a:rPr lang="zh-CN" altLang="en-US" smtClean="0"/>
               <a:pPr/>
-              <a:t>2018-11-07</a:t>
+              <a:t>2018-11-09</a:t>
             </a:fld>
             <a:endParaRPr lang="zh-CN" altLang="en-US"/>
           </a:p>
@@ -2773,7 +2773,7 @@
             <a:fld id="{281D302F-5E2D-4FF9-A986-02603DCE6FDA}" type="datetimeFigureOut">
               <a:rPr lang="zh-CN" altLang="en-US" smtClean="0"/>
               <a:pPr/>
-              <a:t>2018-11-07</a:t>
+              <a:t>2018-11-09</a:t>
             </a:fld>
             <a:endParaRPr lang="zh-CN" altLang="en-US"/>
           </a:p>
@@ -2991,7 +2991,7 @@
             <a:fld id="{281D302F-5E2D-4FF9-A986-02603DCE6FDA}" type="datetimeFigureOut">
               <a:rPr lang="zh-CN" altLang="en-US" smtClean="0"/>
               <a:pPr/>
-              <a:t>2018-11-07</a:t>
+              <a:t>2018-11-09</a:t>
             </a:fld>
             <a:endParaRPr lang="zh-CN" altLang="en-US"/>
           </a:p>
@@ -36953,41 +36953,6 @@
           <a:chExt cx="0" cy="0"/>
         </a:xfrm>
       </p:grpSpPr>
-      <p:pic>
-        <p:nvPicPr>
-          <p:cNvPr id="2" name="图片 1"/>
-          <p:cNvPicPr>
-            <a:picLocks noChangeAspect="1"/>
-          </p:cNvPicPr>
-          <p:nvPr/>
-        </p:nvPicPr>
-        <p:blipFill>
-          <a:blip r:embed="rId2" cstate="print">
-            <a:extLst>
-              <a:ext uri="{28A0092B-C50C-407E-A947-70E740481C1C}">
-                <a14:useLocalDpi xmlns:a14="http://schemas.microsoft.com/office/drawing/2010/main" val="0"/>
-              </a:ext>
-            </a:extLst>
-          </a:blip>
-          <a:stretch>
-            <a:fillRect/>
-          </a:stretch>
-        </p:blipFill>
-        <p:spPr>
-          <a:xfrm>
-            <a:off x="5003800" y="878390"/>
-            <a:ext cx="3606715" cy="5430335"/>
-          </a:xfrm>
-          <a:prstGeom prst="rect">
-            <a:avLst/>
-          </a:prstGeom>
-          <a:ln w="25400">
-            <a:solidFill>
-              <a:schemeClr val="accent1"/>
-            </a:solidFill>
-          </a:ln>
-        </p:spPr>
-      </p:pic>
       <p:grpSp>
         <p:nvGrpSpPr>
           <p:cNvPr id="19" name="组合 18"/>
@@ -38560,8 +38525,8 @@
         </p:nvSpPr>
         <p:spPr>
           <a:xfrm>
-            <a:off x="611188" y="5065441"/>
-            <a:ext cx="3990110" cy="1200329"/>
+            <a:off x="581889" y="5102446"/>
+            <a:ext cx="6680147" cy="830997"/>
           </a:xfrm>
           <a:prstGeom prst="rect">
             <a:avLst/>
@@ -38622,10 +38587,10 @@
         </p:nvGrpSpPr>
         <p:grpSpPr>
           <a:xfrm>
-            <a:off x="1220659" y="6519446"/>
-            <a:ext cx="8024939" cy="338554"/>
-            <a:chOff x="1277256" y="6519446"/>
-            <a:chExt cx="8024939" cy="338554"/>
+            <a:off x="8606970" y="6519446"/>
+            <a:ext cx="638628" cy="338554"/>
+            <a:chOff x="8663567" y="6519446"/>
+            <a:chExt cx="638628" cy="338554"/>
           </a:xfrm>
         </p:grpSpPr>
         <p:sp>
@@ -38717,45 +38682,6 @@
             </a:p>
           </p:txBody>
         </p:sp>
-        <p:sp>
-          <p:nvSpPr>
-            <p:cNvPr id="32" name="文本框 31"/>
-            <p:cNvSpPr txBox="1"/>
-            <p:nvPr/>
-          </p:nvSpPr>
-          <p:spPr>
-            <a:xfrm>
-              <a:off x="1277256" y="6519446"/>
-              <a:ext cx="7489625" cy="338554"/>
-            </a:xfrm>
-            <a:prstGeom prst="rect">
-              <a:avLst/>
-            </a:prstGeom>
-            <a:noFill/>
-          </p:spPr>
-          <p:txBody>
-            <a:bodyPr wrap="square" rtlCol="0">
-              <a:spAutoFit/>
-            </a:bodyPr>
-            <a:lstStyle/>
-            <a:p>
-              <a:pPr algn="r"/>
-              <a:r>
-                <a:rPr lang="zh-CN" altLang="en-US" sz="1600" dirty="0">
-                  <a:solidFill>
-                    <a:schemeClr val="tx1">
-                      <a:lumMod val="85000"/>
-                      <a:lumOff val="15000"/>
-                    </a:schemeClr>
-                  </a:solidFill>
-                  <a:latin typeface="微软雅黑" panose="020B0503020204020204" pitchFamily="34" charset="-122"/>
-                  <a:ea typeface="微软雅黑" panose="020B0503020204020204" pitchFamily="34" charset="-122"/>
-                </a:rPr>
-                <a:t>毕业设计第二次汇报，段公子，西北工业大学航空学院</a:t>
-              </a:r>
-            </a:p>
-          </p:txBody>
-        </p:sp>
       </p:grpSp>
     </p:spTree>
     <p:extLst>
@@ -39321,87 +39247,6 @@
                                         </p:tgtEl>
                                       </p:cBhvr>
                                     </p:animEffect>
-                                  </p:childTnLst>
-                                </p:cTn>
-                              </p:par>
-                              <p:par>
-                                <p:cTn id="43" presetID="42" presetClass="entr" presetSubtype="0" fill="hold" nodeType="withEffect">
-                                  <p:stCondLst>
-                                    <p:cond delay="500"/>
-                                  </p:stCondLst>
-                                  <p:childTnLst>
-                                    <p:set>
-                                      <p:cBhvr>
-                                        <p:cTn id="44" dur="1" fill="hold">
-                                          <p:stCondLst>
-                                            <p:cond delay="0"/>
-                                          </p:stCondLst>
-                                        </p:cTn>
-                                        <p:tgtEl>
-                                          <p:spTgt spid="2"/>
-                                        </p:tgtEl>
-                                        <p:attrNameLst>
-                                          <p:attrName>style.visibility</p:attrName>
-                                        </p:attrNameLst>
-                                      </p:cBhvr>
-                                      <p:to>
-                                        <p:strVal val="visible"/>
-                                      </p:to>
-                                    </p:set>
-                                    <p:animEffect transition="in" filter="fade">
-                                      <p:cBhvr>
-                                        <p:cTn id="45" dur="500"/>
-                                        <p:tgtEl>
-                                          <p:spTgt spid="2"/>
-                                        </p:tgtEl>
-                                      </p:cBhvr>
-                                    </p:animEffect>
-                                    <p:anim calcmode="lin" valueType="num">
-                                      <p:cBhvr>
-                                        <p:cTn id="46" dur="500" fill="hold"/>
-                                        <p:tgtEl>
-                                          <p:spTgt spid="2"/>
-                                        </p:tgtEl>
-                                        <p:attrNameLst>
-                                          <p:attrName>ppt_x</p:attrName>
-                                        </p:attrNameLst>
-                                      </p:cBhvr>
-                                      <p:tavLst>
-                                        <p:tav tm="0">
-                                          <p:val>
-                                            <p:strVal val="#ppt_x"/>
-                                          </p:val>
-                                        </p:tav>
-                                        <p:tav tm="100000">
-                                          <p:val>
-                                            <p:strVal val="#ppt_x"/>
-                                          </p:val>
-                                        </p:tav>
-                                      </p:tavLst>
-                                    </p:anim>
-                                    <p:anim calcmode="lin" valueType="num">
-                                      <p:cBhvr>
-                                        <p:cTn id="47" dur="500" fill="hold"/>
-                                        <p:tgtEl>
-                                          <p:spTgt spid="2"/>
-                                        </p:tgtEl>
-                                        <p:attrNameLst>
-                                          <p:attrName>ppt_y</p:attrName>
-                                        </p:attrNameLst>
-                                      </p:cBhvr>
-                                      <p:tavLst>
-                                        <p:tav tm="0">
-                                          <p:val>
-                                            <p:strVal val="#ppt_y+.1"/>
-                                          </p:val>
-                                        </p:tav>
-                                        <p:tav tm="100000">
-                                          <p:val>
-                                            <p:strVal val="#ppt_y"/>
-                                          </p:val>
-                                        </p:tav>
-                                      </p:tavLst>
-                                    </p:anim>
                                   </p:childTnLst>
                                 </p:cTn>
                               </p:par>

--- a/蚁群优化算法.pptx
+++ b/蚁群优化算法.pptx
@@ -6098,26 +6098,23 @@
               <a:p>
                 <a:pPr algn="ctr"/>
                 <a:r>
-                  <a:rPr lang="zh-CN" altLang="en-US" b="1" dirty="0">
-                    <a:latin typeface="微软雅黑" panose="020B0503020204020204" pitchFamily="34" charset="-122"/>
-                    <a:ea typeface="微软雅黑" panose="020B0503020204020204" pitchFamily="34" charset="-122"/>
-                  </a:rPr>
-                  <a:t>数值</a:t>
-                </a:r>
-                <a:r>
                   <a:rPr lang="en-US" altLang="zh-CN" b="1" dirty="0">
                     <a:latin typeface="微软雅黑" panose="020B0503020204020204" pitchFamily="34" charset="-122"/>
                     <a:ea typeface="微软雅黑" panose="020B0503020204020204" pitchFamily="34" charset="-122"/>
                   </a:rPr>
-                  <a:t>/</a:t>
+                  <a:t>1996</a:t>
                 </a:r>
                 <a:r>
-                  <a:rPr lang="zh-CN" altLang="en-US" b="1" dirty="0">
+                  <a:rPr lang="zh-CN" altLang="en-US" b="1">
                     <a:latin typeface="微软雅黑" panose="020B0503020204020204" pitchFamily="34" charset="-122"/>
                     <a:ea typeface="微软雅黑" panose="020B0503020204020204" pitchFamily="34" charset="-122"/>
                   </a:rPr>
-                  <a:t>单位</a:t>
+                  <a:t>年</a:t>
                 </a:r>
+                <a:endParaRPr lang="zh-CN" altLang="en-US" b="1" dirty="0">
+                  <a:latin typeface="微软雅黑" panose="020B0503020204020204" pitchFamily="34" charset="-122"/>
+                  <a:ea typeface="微软雅黑" panose="020B0503020204020204" pitchFamily="34" charset="-122"/>
+                </a:endParaRPr>
               </a:p>
             </p:txBody>
           </p:sp>
@@ -37116,1471 +37113,6 @@
       </p:sp>
       <p:grpSp>
         <p:nvGrpSpPr>
-          <p:cNvPr id="13" name="组合 12"/>
-          <p:cNvGrpSpPr/>
-          <p:nvPr/>
-        </p:nvGrpSpPr>
-        <p:grpSpPr>
-          <a:xfrm>
-            <a:off x="611188" y="1349965"/>
-            <a:ext cx="548230" cy="547940"/>
-            <a:chOff x="7618710" y="3833560"/>
-            <a:chExt cx="548230" cy="547940"/>
-          </a:xfrm>
-          <a:solidFill>
-            <a:schemeClr val="accent1"/>
-          </a:solidFill>
-        </p:grpSpPr>
-        <p:sp>
-          <p:nvSpPr>
-            <p:cNvPr id="15" name="Freeform 5"/>
-            <p:cNvSpPr>
-              <a:spLocks noEditPoints="1"/>
-            </p:cNvSpPr>
-            <p:nvPr/>
-          </p:nvSpPr>
-          <p:spPr bwMode="auto">
-            <a:xfrm>
-              <a:off x="7618710" y="3833560"/>
-              <a:ext cx="548230" cy="547940"/>
-            </a:xfrm>
-            <a:custGeom>
-              <a:avLst/>
-              <a:gdLst>
-                <a:gd name="T0" fmla="*/ 34 w 68"/>
-                <a:gd name="T1" fmla="*/ 0 h 68"/>
-                <a:gd name="T2" fmla="*/ 0 w 68"/>
-                <a:gd name="T3" fmla="*/ 34 h 68"/>
-                <a:gd name="T4" fmla="*/ 34 w 68"/>
-                <a:gd name="T5" fmla="*/ 68 h 68"/>
-                <a:gd name="T6" fmla="*/ 68 w 68"/>
-                <a:gd name="T7" fmla="*/ 34 h 68"/>
-                <a:gd name="T8" fmla="*/ 34 w 68"/>
-                <a:gd name="T9" fmla="*/ 0 h 68"/>
-                <a:gd name="T10" fmla="*/ 34 w 68"/>
-                <a:gd name="T11" fmla="*/ 48 h 68"/>
-                <a:gd name="T12" fmla="*/ 19 w 68"/>
-                <a:gd name="T13" fmla="*/ 34 h 68"/>
-                <a:gd name="T14" fmla="*/ 34 w 68"/>
-                <a:gd name="T15" fmla="*/ 19 h 68"/>
-                <a:gd name="T16" fmla="*/ 49 w 68"/>
-                <a:gd name="T17" fmla="*/ 34 h 68"/>
-                <a:gd name="T18" fmla="*/ 34 w 68"/>
-                <a:gd name="T19" fmla="*/ 48 h 68"/>
-              </a:gdLst>
-              <a:ahLst/>
-              <a:cxnLst>
-                <a:cxn ang="0">
-                  <a:pos x="T0" y="T1"/>
-                </a:cxn>
-                <a:cxn ang="0">
-                  <a:pos x="T2" y="T3"/>
-                </a:cxn>
-                <a:cxn ang="0">
-                  <a:pos x="T4" y="T5"/>
-                </a:cxn>
-                <a:cxn ang="0">
-                  <a:pos x="T6" y="T7"/>
-                </a:cxn>
-                <a:cxn ang="0">
-                  <a:pos x="T8" y="T9"/>
-                </a:cxn>
-                <a:cxn ang="0">
-                  <a:pos x="T10" y="T11"/>
-                </a:cxn>
-                <a:cxn ang="0">
-                  <a:pos x="T12" y="T13"/>
-                </a:cxn>
-                <a:cxn ang="0">
-                  <a:pos x="T14" y="T15"/>
-                </a:cxn>
-                <a:cxn ang="0">
-                  <a:pos x="T16" y="T17"/>
-                </a:cxn>
-                <a:cxn ang="0">
-                  <a:pos x="T18" y="T19"/>
-                </a:cxn>
-              </a:cxnLst>
-              <a:rect l="0" t="0" r="r" b="b"/>
-              <a:pathLst>
-                <a:path w="68" h="68">
-                  <a:moveTo>
-                    <a:pt x="34" y="0"/>
-                  </a:moveTo>
-                  <a:cubicBezTo>
-                    <a:pt x="15" y="0"/>
-                    <a:pt x="0" y="15"/>
-                    <a:pt x="0" y="34"/>
-                  </a:cubicBezTo>
-                  <a:cubicBezTo>
-                    <a:pt x="0" y="52"/>
-                    <a:pt x="15" y="68"/>
-                    <a:pt x="34" y="68"/>
-                  </a:cubicBezTo>
-                  <a:cubicBezTo>
-                    <a:pt x="53" y="68"/>
-                    <a:pt x="68" y="52"/>
-                    <a:pt x="68" y="34"/>
-                  </a:cubicBezTo>
-                  <a:cubicBezTo>
-                    <a:pt x="68" y="15"/>
-                    <a:pt x="53" y="0"/>
-                    <a:pt x="34" y="0"/>
-                  </a:cubicBezTo>
-                  <a:close/>
-                  <a:moveTo>
-                    <a:pt x="34" y="48"/>
-                  </a:moveTo>
-                  <a:cubicBezTo>
-                    <a:pt x="26" y="48"/>
-                    <a:pt x="19" y="42"/>
-                    <a:pt x="19" y="34"/>
-                  </a:cubicBezTo>
-                  <a:cubicBezTo>
-                    <a:pt x="19" y="25"/>
-                    <a:pt x="26" y="19"/>
-                    <a:pt x="34" y="19"/>
-                  </a:cubicBezTo>
-                  <a:cubicBezTo>
-                    <a:pt x="42" y="19"/>
-                    <a:pt x="49" y="25"/>
-                    <a:pt x="49" y="34"/>
-                  </a:cubicBezTo>
-                  <a:cubicBezTo>
-                    <a:pt x="49" y="42"/>
-                    <a:pt x="42" y="48"/>
-                    <a:pt x="34" y="48"/>
-                  </a:cubicBezTo>
-                  <a:close/>
-                </a:path>
-              </a:pathLst>
-            </a:custGeom>
-            <a:grpFill/>
-            <a:ln>
-              <a:noFill/>
-            </a:ln>
-            <a:extLst>
-              <a:ext uri="{91240B29-F687-4F45-9708-019B960494DF}">
-                <a14:hiddenLine xmlns:a14="http://schemas.microsoft.com/office/drawing/2010/main" w="9525">
-                  <a:solidFill>
-                    <a:srgbClr val="000000"/>
-                  </a:solidFill>
-                  <a:round/>
-                  <a:headEnd/>
-                  <a:tailEnd/>
-                </a14:hiddenLine>
-              </a:ext>
-            </a:extLst>
-          </p:spPr>
-          <p:txBody>
-            <a:bodyPr vert="horz" wrap="square" lIns="91440" tIns="45720" rIns="91440" bIns="45720" numCol="1" anchor="t" anchorCtr="0" compatLnSpc="1">
-              <a:prstTxWarp prst="textNoShape">
-                <a:avLst/>
-              </a:prstTxWarp>
-            </a:bodyPr>
-            <a:lstStyle/>
-            <a:p>
-              <a:endParaRPr lang="zh-CN" altLang="en-US"/>
-            </a:p>
-          </p:txBody>
-        </p:sp>
-        <p:sp>
-          <p:nvSpPr>
-            <p:cNvPr id="16" name="Freeform 6"/>
-            <p:cNvSpPr>
-              <a:spLocks noEditPoints="1"/>
-            </p:cNvSpPr>
-            <p:nvPr/>
-          </p:nvSpPr>
-          <p:spPr bwMode="auto">
-            <a:xfrm>
-              <a:off x="7779988" y="3994838"/>
-              <a:ext cx="225674" cy="217552"/>
-            </a:xfrm>
-            <a:custGeom>
-              <a:avLst/>
-              <a:gdLst>
-                <a:gd name="T0" fmla="*/ 14 w 28"/>
-                <a:gd name="T1" fmla="*/ 0 h 27"/>
-                <a:gd name="T2" fmla="*/ 0 w 28"/>
-                <a:gd name="T3" fmla="*/ 14 h 27"/>
-                <a:gd name="T4" fmla="*/ 14 w 28"/>
-                <a:gd name="T5" fmla="*/ 27 h 27"/>
-                <a:gd name="T6" fmla="*/ 28 w 28"/>
-                <a:gd name="T7" fmla="*/ 14 h 27"/>
-                <a:gd name="T8" fmla="*/ 14 w 28"/>
-                <a:gd name="T9" fmla="*/ 0 h 27"/>
-                <a:gd name="T10" fmla="*/ 14 w 28"/>
-                <a:gd name="T11" fmla="*/ 22 h 27"/>
-                <a:gd name="T12" fmla="*/ 6 w 28"/>
-                <a:gd name="T13" fmla="*/ 14 h 27"/>
-                <a:gd name="T14" fmla="*/ 14 w 28"/>
-                <a:gd name="T15" fmla="*/ 5 h 27"/>
-                <a:gd name="T16" fmla="*/ 22 w 28"/>
-                <a:gd name="T17" fmla="*/ 14 h 27"/>
-                <a:gd name="T18" fmla="*/ 14 w 28"/>
-                <a:gd name="T19" fmla="*/ 22 h 27"/>
-              </a:gdLst>
-              <a:ahLst/>
-              <a:cxnLst>
-                <a:cxn ang="0">
-                  <a:pos x="T0" y="T1"/>
-                </a:cxn>
-                <a:cxn ang="0">
-                  <a:pos x="T2" y="T3"/>
-                </a:cxn>
-                <a:cxn ang="0">
-                  <a:pos x="T4" y="T5"/>
-                </a:cxn>
-                <a:cxn ang="0">
-                  <a:pos x="T6" y="T7"/>
-                </a:cxn>
-                <a:cxn ang="0">
-                  <a:pos x="T8" y="T9"/>
-                </a:cxn>
-                <a:cxn ang="0">
-                  <a:pos x="T10" y="T11"/>
-                </a:cxn>
-                <a:cxn ang="0">
-                  <a:pos x="T12" y="T13"/>
-                </a:cxn>
-                <a:cxn ang="0">
-                  <a:pos x="T14" y="T15"/>
-                </a:cxn>
-                <a:cxn ang="0">
-                  <a:pos x="T16" y="T17"/>
-                </a:cxn>
-                <a:cxn ang="0">
-                  <a:pos x="T18" y="T19"/>
-                </a:cxn>
-              </a:cxnLst>
-              <a:rect l="0" t="0" r="r" b="b"/>
-              <a:pathLst>
-                <a:path w="28" h="27">
-                  <a:moveTo>
-                    <a:pt x="14" y="0"/>
-                  </a:moveTo>
-                  <a:cubicBezTo>
-                    <a:pt x="7" y="0"/>
-                    <a:pt x="0" y="6"/>
-                    <a:pt x="0" y="14"/>
-                  </a:cubicBezTo>
-                  <a:cubicBezTo>
-                    <a:pt x="0" y="21"/>
-                    <a:pt x="7" y="27"/>
-                    <a:pt x="14" y="27"/>
-                  </a:cubicBezTo>
-                  <a:cubicBezTo>
-                    <a:pt x="22" y="27"/>
-                    <a:pt x="28" y="21"/>
-                    <a:pt x="28" y="14"/>
-                  </a:cubicBezTo>
-                  <a:cubicBezTo>
-                    <a:pt x="28" y="6"/>
-                    <a:pt x="22" y="0"/>
-                    <a:pt x="14" y="0"/>
-                  </a:cubicBezTo>
-                  <a:close/>
-                  <a:moveTo>
-                    <a:pt x="14" y="22"/>
-                  </a:moveTo>
-                  <a:cubicBezTo>
-                    <a:pt x="10" y="22"/>
-                    <a:pt x="6" y="18"/>
-                    <a:pt x="6" y="14"/>
-                  </a:cubicBezTo>
-                  <a:cubicBezTo>
-                    <a:pt x="6" y="9"/>
-                    <a:pt x="10" y="5"/>
-                    <a:pt x="14" y="5"/>
-                  </a:cubicBezTo>
-                  <a:cubicBezTo>
-                    <a:pt x="19" y="5"/>
-                    <a:pt x="22" y="9"/>
-                    <a:pt x="22" y="14"/>
-                  </a:cubicBezTo>
-                  <a:cubicBezTo>
-                    <a:pt x="22" y="18"/>
-                    <a:pt x="19" y="22"/>
-                    <a:pt x="14" y="22"/>
-                  </a:cubicBezTo>
-                  <a:close/>
-                </a:path>
-              </a:pathLst>
-            </a:custGeom>
-            <a:grpFill/>
-            <a:ln>
-              <a:noFill/>
-            </a:ln>
-            <a:extLst>
-              <a:ext uri="{91240B29-F687-4F45-9708-019B960494DF}">
-                <a14:hiddenLine xmlns:a14="http://schemas.microsoft.com/office/drawing/2010/main" w="9525">
-                  <a:solidFill>
-                    <a:srgbClr val="000000"/>
-                  </a:solidFill>
-                  <a:round/>
-                  <a:headEnd/>
-                  <a:tailEnd/>
-                </a14:hiddenLine>
-              </a:ext>
-            </a:extLst>
-          </p:spPr>
-          <p:txBody>
-            <a:bodyPr vert="horz" wrap="square" lIns="91440" tIns="45720" rIns="91440" bIns="45720" numCol="1" anchor="t" anchorCtr="0" compatLnSpc="1">
-              <a:prstTxWarp prst="textNoShape">
-                <a:avLst/>
-              </a:prstTxWarp>
-            </a:bodyPr>
-            <a:lstStyle/>
-            <a:p>
-              <a:endParaRPr lang="zh-CN" altLang="en-US"/>
-            </a:p>
-          </p:txBody>
-        </p:sp>
-      </p:grpSp>
-      <p:sp>
-        <p:nvSpPr>
-          <p:cNvPr id="28" name="文本框 27"/>
-          <p:cNvSpPr txBox="1"/>
-          <p:nvPr/>
-        </p:nvSpPr>
-        <p:spPr>
-          <a:xfrm>
-            <a:off x="1338554" y="1439269"/>
-            <a:ext cx="3321038" cy="369332"/>
-          </a:xfrm>
-          <a:prstGeom prst="rect">
-            <a:avLst/>
-          </a:prstGeom>
-          <a:noFill/>
-        </p:spPr>
-        <p:txBody>
-          <a:bodyPr wrap="square" rtlCol="0">
-            <a:spAutoFit/>
-          </a:bodyPr>
-          <a:lstStyle/>
-          <a:p>
-            <a:r>
-              <a:rPr lang="zh-CN" altLang="en-US" dirty="0">
-                <a:solidFill>
-                  <a:schemeClr val="tx1">
-                    <a:lumMod val="85000"/>
-                    <a:lumOff val="15000"/>
-                  </a:schemeClr>
-                </a:solidFill>
-                <a:latin typeface="微软雅黑" panose="020B0503020204020204" pitchFamily="34" charset="-122"/>
-                <a:ea typeface="微软雅黑" panose="020B0503020204020204" pitchFamily="34" charset="-122"/>
-              </a:rPr>
-              <a:t>我的毕设要用到</a:t>
-            </a:r>
-            <a:r>
-              <a:rPr lang="zh-CN" altLang="en-US" b="1" dirty="0">
-                <a:solidFill>
-                  <a:srgbClr val="0070C0"/>
-                </a:solidFill>
-                <a:latin typeface="微软雅黑" panose="020B0503020204020204" pitchFamily="34" charset="-122"/>
-                <a:ea typeface="微软雅黑" panose="020B0503020204020204" pitchFamily="34" charset="-122"/>
-              </a:rPr>
-              <a:t>轮子</a:t>
-            </a:r>
-            <a:endParaRPr lang="en-US" altLang="zh-CN" b="1" dirty="0">
-              <a:solidFill>
-                <a:srgbClr val="0070C0"/>
-              </a:solidFill>
-              <a:latin typeface="微软雅黑" panose="020B0503020204020204" pitchFamily="34" charset="-122"/>
-              <a:ea typeface="微软雅黑" panose="020B0503020204020204" pitchFamily="34" charset="-122"/>
-            </a:endParaRPr>
-          </a:p>
-        </p:txBody>
-      </p:sp>
-      <p:sp>
-        <p:nvSpPr>
-          <p:cNvPr id="27" name="Freeform 13"/>
-          <p:cNvSpPr>
-            <a:spLocks noEditPoints="1"/>
-          </p:cNvSpPr>
-          <p:nvPr/>
-        </p:nvSpPr>
-        <p:spPr bwMode="auto">
-          <a:xfrm>
-            <a:off x="611188" y="2524399"/>
-            <a:ext cx="570193" cy="606660"/>
-          </a:xfrm>
-          <a:custGeom>
-            <a:avLst/>
-            <a:gdLst>
-              <a:gd name="T0" fmla="*/ 40 w 70"/>
-              <a:gd name="T1" fmla="*/ 42 h 74"/>
-              <a:gd name="T2" fmla="*/ 41 w 70"/>
-              <a:gd name="T3" fmla="*/ 48 h 74"/>
-              <a:gd name="T4" fmla="*/ 37 w 70"/>
-              <a:gd name="T5" fmla="*/ 59 h 74"/>
-              <a:gd name="T6" fmla="*/ 29 w 70"/>
-              <a:gd name="T7" fmla="*/ 69 h 74"/>
-              <a:gd name="T8" fmla="*/ 18 w 70"/>
-              <a:gd name="T9" fmla="*/ 74 h 74"/>
-              <a:gd name="T10" fmla="*/ 6 w 70"/>
-              <a:gd name="T11" fmla="*/ 70 h 74"/>
-              <a:gd name="T12" fmla="*/ 6 w 70"/>
-              <a:gd name="T13" fmla="*/ 70 h 74"/>
-              <a:gd name="T14" fmla="*/ 1 w 70"/>
-              <a:gd name="T15" fmla="*/ 59 h 74"/>
-              <a:gd name="T16" fmla="*/ 5 w 70"/>
-              <a:gd name="T17" fmla="*/ 47 h 74"/>
-              <a:gd name="T18" fmla="*/ 13 w 70"/>
-              <a:gd name="T19" fmla="*/ 38 h 74"/>
-              <a:gd name="T20" fmla="*/ 24 w 70"/>
-              <a:gd name="T21" fmla="*/ 33 h 74"/>
-              <a:gd name="T22" fmla="*/ 30 w 70"/>
-              <a:gd name="T23" fmla="*/ 33 h 74"/>
-              <a:gd name="T24" fmla="*/ 23 w 70"/>
-              <a:gd name="T25" fmla="*/ 42 h 74"/>
-              <a:gd name="T26" fmla="*/ 19 w 70"/>
-              <a:gd name="T27" fmla="*/ 44 h 74"/>
-              <a:gd name="T28" fmla="*/ 11 w 70"/>
-              <a:gd name="T29" fmla="*/ 53 h 74"/>
-              <a:gd name="T30" fmla="*/ 9 w 70"/>
-              <a:gd name="T31" fmla="*/ 58 h 74"/>
-              <a:gd name="T32" fmla="*/ 12 w 70"/>
-              <a:gd name="T33" fmla="*/ 64 h 74"/>
-              <a:gd name="T34" fmla="*/ 12 w 70"/>
-              <a:gd name="T35" fmla="*/ 64 h 74"/>
-              <a:gd name="T36" fmla="*/ 17 w 70"/>
-              <a:gd name="T37" fmla="*/ 65 h 74"/>
-              <a:gd name="T38" fmla="*/ 23 w 70"/>
-              <a:gd name="T39" fmla="*/ 63 h 74"/>
-              <a:gd name="T40" fmla="*/ 31 w 70"/>
-              <a:gd name="T41" fmla="*/ 54 h 74"/>
-              <a:gd name="T42" fmla="*/ 32 w 70"/>
-              <a:gd name="T43" fmla="*/ 50 h 74"/>
-              <a:gd name="T44" fmla="*/ 40 w 70"/>
-              <a:gd name="T45" fmla="*/ 42 h 74"/>
-              <a:gd name="T46" fmla="*/ 64 w 70"/>
-              <a:gd name="T47" fmla="*/ 4 h 74"/>
-              <a:gd name="T48" fmla="*/ 52 w 70"/>
-              <a:gd name="T49" fmla="*/ 0 h 74"/>
-              <a:gd name="T50" fmla="*/ 41 w 70"/>
-              <a:gd name="T51" fmla="*/ 5 h 74"/>
-              <a:gd name="T52" fmla="*/ 33 w 70"/>
-              <a:gd name="T53" fmla="*/ 15 h 74"/>
-              <a:gd name="T54" fmla="*/ 29 w 70"/>
-              <a:gd name="T55" fmla="*/ 26 h 74"/>
-              <a:gd name="T56" fmla="*/ 31 w 70"/>
-              <a:gd name="T57" fmla="*/ 32 h 74"/>
-              <a:gd name="T58" fmla="*/ 38 w 70"/>
-              <a:gd name="T59" fmla="*/ 24 h 74"/>
-              <a:gd name="T60" fmla="*/ 40 w 70"/>
-              <a:gd name="T61" fmla="*/ 20 h 74"/>
-              <a:gd name="T62" fmla="*/ 47 w 70"/>
-              <a:gd name="T63" fmla="*/ 11 h 74"/>
-              <a:gd name="T64" fmla="*/ 53 w 70"/>
-              <a:gd name="T65" fmla="*/ 9 h 74"/>
-              <a:gd name="T66" fmla="*/ 58 w 70"/>
-              <a:gd name="T67" fmla="*/ 10 h 74"/>
-              <a:gd name="T68" fmla="*/ 58 w 70"/>
-              <a:gd name="T69" fmla="*/ 10 h 74"/>
-              <a:gd name="T70" fmla="*/ 61 w 70"/>
-              <a:gd name="T71" fmla="*/ 16 h 74"/>
-              <a:gd name="T72" fmla="*/ 59 w 70"/>
-              <a:gd name="T73" fmla="*/ 21 h 74"/>
-              <a:gd name="T74" fmla="*/ 51 w 70"/>
-              <a:gd name="T75" fmla="*/ 30 h 74"/>
-              <a:gd name="T76" fmla="*/ 48 w 70"/>
-              <a:gd name="T77" fmla="*/ 32 h 74"/>
-              <a:gd name="T78" fmla="*/ 41 w 70"/>
-              <a:gd name="T79" fmla="*/ 41 h 74"/>
-              <a:gd name="T80" fmla="*/ 46 w 70"/>
-              <a:gd name="T81" fmla="*/ 41 h 74"/>
-              <a:gd name="T82" fmla="*/ 57 w 70"/>
-              <a:gd name="T83" fmla="*/ 36 h 74"/>
-              <a:gd name="T84" fmla="*/ 65 w 70"/>
-              <a:gd name="T85" fmla="*/ 27 h 74"/>
-              <a:gd name="T86" fmla="*/ 69 w 70"/>
-              <a:gd name="T87" fmla="*/ 15 h 74"/>
-              <a:gd name="T88" fmla="*/ 64 w 70"/>
-              <a:gd name="T89" fmla="*/ 4 h 74"/>
-              <a:gd name="T90" fmla="*/ 64 w 70"/>
-              <a:gd name="T91" fmla="*/ 4 h 74"/>
-              <a:gd name="T92" fmla="*/ 49 w 70"/>
-              <a:gd name="T93" fmla="*/ 21 h 74"/>
-              <a:gd name="T94" fmla="*/ 43 w 70"/>
-              <a:gd name="T95" fmla="*/ 21 h 74"/>
-              <a:gd name="T96" fmla="*/ 22 w 70"/>
-              <a:gd name="T97" fmla="*/ 45 h 74"/>
-              <a:gd name="T98" fmla="*/ 23 w 70"/>
-              <a:gd name="T99" fmla="*/ 52 h 74"/>
-              <a:gd name="T100" fmla="*/ 23 w 70"/>
-              <a:gd name="T101" fmla="*/ 52 h 74"/>
-              <a:gd name="T102" fmla="*/ 29 w 70"/>
-              <a:gd name="T103" fmla="*/ 51 h 74"/>
-              <a:gd name="T104" fmla="*/ 50 w 70"/>
-              <a:gd name="T105" fmla="*/ 27 h 74"/>
-              <a:gd name="T106" fmla="*/ 49 w 70"/>
-              <a:gd name="T107" fmla="*/ 21 h 74"/>
-            </a:gdLst>
-            <a:ahLst/>
-            <a:cxnLst>
-              <a:cxn ang="0">
-                <a:pos x="T0" y="T1"/>
-              </a:cxn>
-              <a:cxn ang="0">
-                <a:pos x="T2" y="T3"/>
-              </a:cxn>
-              <a:cxn ang="0">
-                <a:pos x="T4" y="T5"/>
-              </a:cxn>
-              <a:cxn ang="0">
-                <a:pos x="T6" y="T7"/>
-              </a:cxn>
-              <a:cxn ang="0">
-                <a:pos x="T8" y="T9"/>
-              </a:cxn>
-              <a:cxn ang="0">
-                <a:pos x="T10" y="T11"/>
-              </a:cxn>
-              <a:cxn ang="0">
-                <a:pos x="T12" y="T13"/>
-              </a:cxn>
-              <a:cxn ang="0">
-                <a:pos x="T14" y="T15"/>
-              </a:cxn>
-              <a:cxn ang="0">
-                <a:pos x="T16" y="T17"/>
-              </a:cxn>
-              <a:cxn ang="0">
-                <a:pos x="T18" y="T19"/>
-              </a:cxn>
-              <a:cxn ang="0">
-                <a:pos x="T20" y="T21"/>
-              </a:cxn>
-              <a:cxn ang="0">
-                <a:pos x="T22" y="T23"/>
-              </a:cxn>
-              <a:cxn ang="0">
-                <a:pos x="T24" y="T25"/>
-              </a:cxn>
-              <a:cxn ang="0">
-                <a:pos x="T26" y="T27"/>
-              </a:cxn>
-              <a:cxn ang="0">
-                <a:pos x="T28" y="T29"/>
-              </a:cxn>
-              <a:cxn ang="0">
-                <a:pos x="T30" y="T31"/>
-              </a:cxn>
-              <a:cxn ang="0">
-                <a:pos x="T32" y="T33"/>
-              </a:cxn>
-              <a:cxn ang="0">
-                <a:pos x="T34" y="T35"/>
-              </a:cxn>
-              <a:cxn ang="0">
-                <a:pos x="T36" y="T37"/>
-              </a:cxn>
-              <a:cxn ang="0">
-                <a:pos x="T38" y="T39"/>
-              </a:cxn>
-              <a:cxn ang="0">
-                <a:pos x="T40" y="T41"/>
-              </a:cxn>
-              <a:cxn ang="0">
-                <a:pos x="T42" y="T43"/>
-              </a:cxn>
-              <a:cxn ang="0">
-                <a:pos x="T44" y="T45"/>
-              </a:cxn>
-              <a:cxn ang="0">
-                <a:pos x="T46" y="T47"/>
-              </a:cxn>
-              <a:cxn ang="0">
-                <a:pos x="T48" y="T49"/>
-              </a:cxn>
-              <a:cxn ang="0">
-                <a:pos x="T50" y="T51"/>
-              </a:cxn>
-              <a:cxn ang="0">
-                <a:pos x="T52" y="T53"/>
-              </a:cxn>
-              <a:cxn ang="0">
-                <a:pos x="T54" y="T55"/>
-              </a:cxn>
-              <a:cxn ang="0">
-                <a:pos x="T56" y="T57"/>
-              </a:cxn>
-              <a:cxn ang="0">
-                <a:pos x="T58" y="T59"/>
-              </a:cxn>
-              <a:cxn ang="0">
-                <a:pos x="T60" y="T61"/>
-              </a:cxn>
-              <a:cxn ang="0">
-                <a:pos x="T62" y="T63"/>
-              </a:cxn>
-              <a:cxn ang="0">
-                <a:pos x="T64" y="T65"/>
-              </a:cxn>
-              <a:cxn ang="0">
-                <a:pos x="T66" y="T67"/>
-              </a:cxn>
-              <a:cxn ang="0">
-                <a:pos x="T68" y="T69"/>
-              </a:cxn>
-              <a:cxn ang="0">
-                <a:pos x="T70" y="T71"/>
-              </a:cxn>
-              <a:cxn ang="0">
-                <a:pos x="T72" y="T73"/>
-              </a:cxn>
-              <a:cxn ang="0">
-                <a:pos x="T74" y="T75"/>
-              </a:cxn>
-              <a:cxn ang="0">
-                <a:pos x="T76" y="T77"/>
-              </a:cxn>
-              <a:cxn ang="0">
-                <a:pos x="T78" y="T79"/>
-              </a:cxn>
-              <a:cxn ang="0">
-                <a:pos x="T80" y="T81"/>
-              </a:cxn>
-              <a:cxn ang="0">
-                <a:pos x="T82" y="T83"/>
-              </a:cxn>
-              <a:cxn ang="0">
-                <a:pos x="T84" y="T85"/>
-              </a:cxn>
-              <a:cxn ang="0">
-                <a:pos x="T86" y="T87"/>
-              </a:cxn>
-              <a:cxn ang="0">
-                <a:pos x="T88" y="T89"/>
-              </a:cxn>
-              <a:cxn ang="0">
-                <a:pos x="T90" y="T91"/>
-              </a:cxn>
-              <a:cxn ang="0">
-                <a:pos x="T92" y="T93"/>
-              </a:cxn>
-              <a:cxn ang="0">
-                <a:pos x="T94" y="T95"/>
-              </a:cxn>
-              <a:cxn ang="0">
-                <a:pos x="T96" y="T97"/>
-              </a:cxn>
-              <a:cxn ang="0">
-                <a:pos x="T98" y="T99"/>
-              </a:cxn>
-              <a:cxn ang="0">
-                <a:pos x="T100" y="T101"/>
-              </a:cxn>
-              <a:cxn ang="0">
-                <a:pos x="T102" y="T103"/>
-              </a:cxn>
-              <a:cxn ang="0">
-                <a:pos x="T104" y="T105"/>
-              </a:cxn>
-              <a:cxn ang="0">
-                <a:pos x="T106" y="T107"/>
-              </a:cxn>
-            </a:cxnLst>
-            <a:rect l="0" t="0" r="r" b="b"/>
-            <a:pathLst>
-              <a:path w="70" h="74">
-                <a:moveTo>
-                  <a:pt x="40" y="42"/>
-                </a:moveTo>
-                <a:cubicBezTo>
-                  <a:pt x="40" y="44"/>
-                  <a:pt x="41" y="46"/>
-                  <a:pt x="41" y="48"/>
-                </a:cubicBezTo>
-                <a:cubicBezTo>
-                  <a:pt x="41" y="52"/>
-                  <a:pt x="40" y="56"/>
-                  <a:pt x="37" y="59"/>
-                </a:cubicBezTo>
-                <a:cubicBezTo>
-                  <a:pt x="29" y="69"/>
-                  <a:pt x="29" y="69"/>
-                  <a:pt x="29" y="69"/>
-                </a:cubicBezTo>
-                <a:cubicBezTo>
-                  <a:pt x="26" y="72"/>
-                  <a:pt x="22" y="74"/>
-                  <a:pt x="18" y="74"/>
-                </a:cubicBezTo>
-                <a:cubicBezTo>
-                  <a:pt x="14" y="74"/>
-                  <a:pt x="10" y="73"/>
-                  <a:pt x="6" y="70"/>
-                </a:cubicBezTo>
-                <a:cubicBezTo>
-                  <a:pt x="6" y="70"/>
-                  <a:pt x="6" y="70"/>
-                  <a:pt x="6" y="70"/>
-                </a:cubicBezTo>
-                <a:cubicBezTo>
-                  <a:pt x="3" y="67"/>
-                  <a:pt x="1" y="63"/>
-                  <a:pt x="1" y="59"/>
-                </a:cubicBezTo>
-                <a:cubicBezTo>
-                  <a:pt x="0" y="55"/>
-                  <a:pt x="2" y="51"/>
-                  <a:pt x="5" y="47"/>
-                </a:cubicBezTo>
-                <a:cubicBezTo>
-                  <a:pt x="13" y="38"/>
-                  <a:pt x="13" y="38"/>
-                  <a:pt x="13" y="38"/>
-                </a:cubicBezTo>
-                <a:cubicBezTo>
-                  <a:pt x="16" y="35"/>
-                  <a:pt x="20" y="33"/>
-                  <a:pt x="24" y="33"/>
-                </a:cubicBezTo>
-                <a:cubicBezTo>
-                  <a:pt x="26" y="32"/>
-                  <a:pt x="28" y="33"/>
-                  <a:pt x="30" y="33"/>
-                </a:cubicBezTo>
-                <a:cubicBezTo>
-                  <a:pt x="23" y="42"/>
-                  <a:pt x="23" y="42"/>
-                  <a:pt x="23" y="42"/>
-                </a:cubicBezTo>
-                <a:cubicBezTo>
-                  <a:pt x="21" y="42"/>
-                  <a:pt x="20" y="43"/>
-                  <a:pt x="19" y="44"/>
-                </a:cubicBezTo>
-                <a:cubicBezTo>
-                  <a:pt x="11" y="53"/>
-                  <a:pt x="11" y="53"/>
-                  <a:pt x="11" y="53"/>
-                </a:cubicBezTo>
-                <a:cubicBezTo>
-                  <a:pt x="10" y="55"/>
-                  <a:pt x="9" y="57"/>
-                  <a:pt x="9" y="58"/>
-                </a:cubicBezTo>
-                <a:cubicBezTo>
-                  <a:pt x="10" y="60"/>
-                  <a:pt x="10" y="62"/>
-                  <a:pt x="12" y="64"/>
-                </a:cubicBezTo>
-                <a:cubicBezTo>
-                  <a:pt x="12" y="64"/>
-                  <a:pt x="12" y="64"/>
-                  <a:pt x="12" y="64"/>
-                </a:cubicBezTo>
-                <a:cubicBezTo>
-                  <a:pt x="14" y="65"/>
-                  <a:pt x="16" y="65"/>
-                  <a:pt x="17" y="65"/>
-                </a:cubicBezTo>
-                <a:cubicBezTo>
-                  <a:pt x="19" y="65"/>
-                  <a:pt x="21" y="64"/>
-                  <a:pt x="23" y="63"/>
-                </a:cubicBezTo>
-                <a:cubicBezTo>
-                  <a:pt x="31" y="54"/>
-                  <a:pt x="31" y="54"/>
-                  <a:pt x="31" y="54"/>
-                </a:cubicBezTo>
-                <a:cubicBezTo>
-                  <a:pt x="31" y="53"/>
-                  <a:pt x="32" y="52"/>
-                  <a:pt x="32" y="50"/>
-                </a:cubicBezTo>
-                <a:cubicBezTo>
-                  <a:pt x="40" y="42"/>
-                  <a:pt x="40" y="42"/>
-                  <a:pt x="40" y="42"/>
-                </a:cubicBezTo>
-                <a:close/>
-                <a:moveTo>
-                  <a:pt x="64" y="4"/>
-                </a:moveTo>
-                <a:cubicBezTo>
-                  <a:pt x="60" y="1"/>
-                  <a:pt x="56" y="0"/>
-                  <a:pt x="52" y="0"/>
-                </a:cubicBezTo>
-                <a:cubicBezTo>
-                  <a:pt x="48" y="0"/>
-                  <a:pt x="44" y="2"/>
-                  <a:pt x="41" y="5"/>
-                </a:cubicBezTo>
-                <a:cubicBezTo>
-                  <a:pt x="33" y="15"/>
-                  <a:pt x="33" y="15"/>
-                  <a:pt x="33" y="15"/>
-                </a:cubicBezTo>
-                <a:cubicBezTo>
-                  <a:pt x="30" y="18"/>
-                  <a:pt x="29" y="22"/>
-                  <a:pt x="29" y="26"/>
-                </a:cubicBezTo>
-                <a:cubicBezTo>
-                  <a:pt x="29" y="29"/>
-                  <a:pt x="30" y="31"/>
-                  <a:pt x="31" y="32"/>
-                </a:cubicBezTo>
-                <a:cubicBezTo>
-                  <a:pt x="38" y="24"/>
-                  <a:pt x="38" y="24"/>
-                  <a:pt x="38" y="24"/>
-                </a:cubicBezTo>
-                <a:cubicBezTo>
-                  <a:pt x="38" y="23"/>
-                  <a:pt x="39" y="21"/>
-                  <a:pt x="40" y="20"/>
-                </a:cubicBezTo>
-                <a:cubicBezTo>
-                  <a:pt x="47" y="11"/>
-                  <a:pt x="47" y="11"/>
-                  <a:pt x="47" y="11"/>
-                </a:cubicBezTo>
-                <a:cubicBezTo>
-                  <a:pt x="49" y="10"/>
-                  <a:pt x="51" y="9"/>
-                  <a:pt x="53" y="9"/>
-                </a:cubicBezTo>
-                <a:cubicBezTo>
-                  <a:pt x="55" y="9"/>
-                  <a:pt x="56" y="9"/>
-                  <a:pt x="58" y="10"/>
-                </a:cubicBezTo>
-                <a:cubicBezTo>
-                  <a:pt x="58" y="10"/>
-                  <a:pt x="58" y="10"/>
-                  <a:pt x="58" y="10"/>
-                </a:cubicBezTo>
-                <a:cubicBezTo>
-                  <a:pt x="60" y="12"/>
-                  <a:pt x="60" y="14"/>
-                  <a:pt x="61" y="16"/>
-                </a:cubicBezTo>
-                <a:cubicBezTo>
-                  <a:pt x="61" y="17"/>
-                  <a:pt x="60" y="19"/>
-                  <a:pt x="59" y="21"/>
-                </a:cubicBezTo>
-                <a:cubicBezTo>
-                  <a:pt x="51" y="30"/>
-                  <a:pt x="51" y="30"/>
-                  <a:pt x="51" y="30"/>
-                </a:cubicBezTo>
-                <a:cubicBezTo>
-                  <a:pt x="50" y="31"/>
-                  <a:pt x="49" y="32"/>
-                  <a:pt x="48" y="32"/>
-                </a:cubicBezTo>
-                <a:cubicBezTo>
-                  <a:pt x="41" y="41"/>
-                  <a:pt x="41" y="41"/>
-                  <a:pt x="41" y="41"/>
-                </a:cubicBezTo>
-                <a:cubicBezTo>
-                  <a:pt x="42" y="41"/>
-                  <a:pt x="44" y="42"/>
-                  <a:pt x="46" y="41"/>
-                </a:cubicBezTo>
-                <a:cubicBezTo>
-                  <a:pt x="50" y="41"/>
-                  <a:pt x="55" y="39"/>
-                  <a:pt x="57" y="36"/>
-                </a:cubicBezTo>
-                <a:cubicBezTo>
-                  <a:pt x="65" y="27"/>
-                  <a:pt x="65" y="27"/>
-                  <a:pt x="65" y="27"/>
-                </a:cubicBezTo>
-                <a:cubicBezTo>
-                  <a:pt x="68" y="23"/>
-                  <a:pt x="70" y="19"/>
-                  <a:pt x="69" y="15"/>
-                </a:cubicBezTo>
-                <a:cubicBezTo>
-                  <a:pt x="69" y="11"/>
-                  <a:pt x="67" y="7"/>
-                  <a:pt x="64" y="4"/>
-                </a:cubicBezTo>
-                <a:cubicBezTo>
-                  <a:pt x="64" y="4"/>
-                  <a:pt x="64" y="4"/>
-                  <a:pt x="64" y="4"/>
-                </a:cubicBezTo>
-                <a:close/>
-                <a:moveTo>
-                  <a:pt x="49" y="21"/>
-                </a:moveTo>
-                <a:cubicBezTo>
-                  <a:pt x="48" y="19"/>
-                  <a:pt x="45" y="19"/>
-                  <a:pt x="43" y="21"/>
-                </a:cubicBezTo>
-                <a:cubicBezTo>
-                  <a:pt x="22" y="45"/>
-                  <a:pt x="22" y="45"/>
-                  <a:pt x="22" y="45"/>
-                </a:cubicBezTo>
-                <a:cubicBezTo>
-                  <a:pt x="21" y="47"/>
-                  <a:pt x="21" y="50"/>
-                  <a:pt x="23" y="52"/>
-                </a:cubicBezTo>
-                <a:cubicBezTo>
-                  <a:pt x="23" y="52"/>
-                  <a:pt x="23" y="52"/>
-                  <a:pt x="23" y="52"/>
-                </a:cubicBezTo>
-                <a:cubicBezTo>
-                  <a:pt x="25" y="53"/>
-                  <a:pt x="27" y="53"/>
-                  <a:pt x="29" y="51"/>
-                </a:cubicBezTo>
-                <a:cubicBezTo>
-                  <a:pt x="50" y="27"/>
-                  <a:pt x="50" y="27"/>
-                  <a:pt x="50" y="27"/>
-                </a:cubicBezTo>
-                <a:cubicBezTo>
-                  <a:pt x="51" y="25"/>
-                  <a:pt x="51" y="22"/>
-                  <a:pt x="49" y="21"/>
-                </a:cubicBezTo>
-                <a:close/>
-              </a:path>
-            </a:pathLst>
-          </a:custGeom>
-          <a:solidFill>
-            <a:schemeClr val="accent1"/>
-          </a:solidFill>
-          <a:ln>
-            <a:noFill/>
-          </a:ln>
-        </p:spPr>
-        <p:txBody>
-          <a:bodyPr vert="horz" wrap="square" lIns="91440" tIns="45720" rIns="91440" bIns="45720" numCol="1" anchor="t" anchorCtr="0" compatLnSpc="1">
-            <a:prstTxWarp prst="textNoShape">
-              <a:avLst/>
-            </a:prstTxWarp>
-          </a:bodyPr>
-          <a:lstStyle/>
-          <a:p>
-            <a:endParaRPr lang="zh-CN" altLang="en-US"/>
-          </a:p>
-        </p:txBody>
-      </p:sp>
-      <p:sp>
-        <p:nvSpPr>
-          <p:cNvPr id="29" name="文本框 28"/>
-          <p:cNvSpPr txBox="1"/>
-          <p:nvPr/>
-        </p:nvSpPr>
-        <p:spPr>
-          <a:xfrm>
-            <a:off x="1338554" y="2643063"/>
-            <a:ext cx="3321038" cy="369332"/>
-          </a:xfrm>
-          <a:prstGeom prst="rect">
-            <a:avLst/>
-          </a:prstGeom>
-          <a:noFill/>
-        </p:spPr>
-        <p:txBody>
-          <a:bodyPr wrap="square" rtlCol="0">
-            <a:spAutoFit/>
-          </a:bodyPr>
-          <a:lstStyle/>
-          <a:p>
-            <a:r>
-              <a:rPr lang="zh-CN" altLang="en-US" dirty="0">
-                <a:solidFill>
-                  <a:schemeClr val="tx1">
-                    <a:lumMod val="85000"/>
-                    <a:lumOff val="15000"/>
-                  </a:schemeClr>
-                </a:solidFill>
-                <a:latin typeface="微软雅黑" panose="020B0503020204020204" pitchFamily="34" charset="-122"/>
-                <a:ea typeface="微软雅黑" panose="020B0503020204020204" pitchFamily="34" charset="-122"/>
-              </a:rPr>
-              <a:t>我的毕设要用到</a:t>
-            </a:r>
-            <a:r>
-              <a:rPr lang="zh-CN" altLang="en-US" b="1" dirty="0">
-                <a:solidFill>
-                  <a:srgbClr val="0070C0"/>
-                </a:solidFill>
-                <a:latin typeface="微软雅黑" panose="020B0503020204020204" pitchFamily="34" charset="-122"/>
-                <a:ea typeface="微软雅黑" panose="020B0503020204020204" pitchFamily="34" charset="-122"/>
-              </a:rPr>
-              <a:t>绳子</a:t>
-            </a:r>
-            <a:endParaRPr lang="en-US" altLang="zh-CN" b="1" dirty="0">
-              <a:solidFill>
-                <a:srgbClr val="0070C0"/>
-              </a:solidFill>
-              <a:latin typeface="微软雅黑" panose="020B0503020204020204" pitchFamily="34" charset="-122"/>
-              <a:ea typeface="微软雅黑" panose="020B0503020204020204" pitchFamily="34" charset="-122"/>
-            </a:endParaRPr>
-          </a:p>
-        </p:txBody>
-      </p:sp>
-      <p:sp>
-        <p:nvSpPr>
-          <p:cNvPr id="24" name="Freeform 9"/>
-          <p:cNvSpPr>
-            <a:spLocks noEditPoints="1"/>
-          </p:cNvSpPr>
-          <p:nvPr/>
-        </p:nvSpPr>
-        <p:spPr bwMode="auto">
-          <a:xfrm>
-            <a:off x="611188" y="3870407"/>
-            <a:ext cx="640245" cy="453344"/>
-          </a:xfrm>
-          <a:custGeom>
-            <a:avLst/>
-            <a:gdLst>
-              <a:gd name="T0" fmla="*/ 25 w 65"/>
-              <a:gd name="T1" fmla="*/ 45 h 45"/>
-              <a:gd name="T2" fmla="*/ 0 w 65"/>
-              <a:gd name="T3" fmla="*/ 22 h 45"/>
-              <a:gd name="T4" fmla="*/ 25 w 65"/>
-              <a:gd name="T5" fmla="*/ 0 h 45"/>
-              <a:gd name="T6" fmla="*/ 25 w 65"/>
-              <a:gd name="T7" fmla="*/ 45 h 45"/>
-              <a:gd name="T8" fmla="*/ 40 w 65"/>
-              <a:gd name="T9" fmla="*/ 35 h 45"/>
-              <a:gd name="T10" fmla="*/ 62 w 65"/>
-              <a:gd name="T11" fmla="*/ 35 h 45"/>
-              <a:gd name="T12" fmla="*/ 62 w 65"/>
-              <a:gd name="T13" fmla="*/ 40 h 45"/>
-              <a:gd name="T14" fmla="*/ 40 w 65"/>
-              <a:gd name="T15" fmla="*/ 40 h 45"/>
-              <a:gd name="T16" fmla="*/ 40 w 65"/>
-              <a:gd name="T17" fmla="*/ 35 h 45"/>
-              <a:gd name="T18" fmla="*/ 43 w 65"/>
-              <a:gd name="T19" fmla="*/ 25 h 45"/>
-              <a:gd name="T20" fmla="*/ 65 w 65"/>
-              <a:gd name="T21" fmla="*/ 25 h 45"/>
-              <a:gd name="T22" fmla="*/ 65 w 65"/>
-              <a:gd name="T23" fmla="*/ 30 h 45"/>
-              <a:gd name="T24" fmla="*/ 43 w 65"/>
-              <a:gd name="T25" fmla="*/ 30 h 45"/>
-              <a:gd name="T26" fmla="*/ 43 w 65"/>
-              <a:gd name="T27" fmla="*/ 25 h 45"/>
-              <a:gd name="T28" fmla="*/ 43 w 65"/>
-              <a:gd name="T29" fmla="*/ 15 h 45"/>
-              <a:gd name="T30" fmla="*/ 64 w 65"/>
-              <a:gd name="T31" fmla="*/ 15 h 45"/>
-              <a:gd name="T32" fmla="*/ 64 w 65"/>
-              <a:gd name="T33" fmla="*/ 20 h 45"/>
-              <a:gd name="T34" fmla="*/ 43 w 65"/>
-              <a:gd name="T35" fmla="*/ 20 h 45"/>
-              <a:gd name="T36" fmla="*/ 43 w 65"/>
-              <a:gd name="T37" fmla="*/ 15 h 45"/>
-              <a:gd name="T38" fmla="*/ 40 w 65"/>
-              <a:gd name="T39" fmla="*/ 5 h 45"/>
-              <a:gd name="T40" fmla="*/ 62 w 65"/>
-              <a:gd name="T41" fmla="*/ 5 h 45"/>
-              <a:gd name="T42" fmla="*/ 62 w 65"/>
-              <a:gd name="T43" fmla="*/ 9 h 45"/>
-              <a:gd name="T44" fmla="*/ 40 w 65"/>
-              <a:gd name="T45" fmla="*/ 9 h 45"/>
-              <a:gd name="T46" fmla="*/ 40 w 65"/>
-              <a:gd name="T47" fmla="*/ 5 h 45"/>
-              <a:gd name="T48" fmla="*/ 33 w 65"/>
-              <a:gd name="T49" fmla="*/ 0 h 45"/>
-              <a:gd name="T50" fmla="*/ 33 w 65"/>
-              <a:gd name="T51" fmla="*/ 44 h 45"/>
-              <a:gd name="T52" fmla="*/ 26 w 65"/>
-              <a:gd name="T53" fmla="*/ 45 h 45"/>
-              <a:gd name="T54" fmla="*/ 26 w 65"/>
-              <a:gd name="T55" fmla="*/ 0 h 45"/>
-              <a:gd name="T56" fmla="*/ 33 w 65"/>
-              <a:gd name="T57" fmla="*/ 0 h 45"/>
-            </a:gdLst>
-            <a:ahLst/>
-            <a:cxnLst>
-              <a:cxn ang="0">
-                <a:pos x="T0" y="T1"/>
-              </a:cxn>
-              <a:cxn ang="0">
-                <a:pos x="T2" y="T3"/>
-              </a:cxn>
-              <a:cxn ang="0">
-                <a:pos x="T4" y="T5"/>
-              </a:cxn>
-              <a:cxn ang="0">
-                <a:pos x="T6" y="T7"/>
-              </a:cxn>
-              <a:cxn ang="0">
-                <a:pos x="T8" y="T9"/>
-              </a:cxn>
-              <a:cxn ang="0">
-                <a:pos x="T10" y="T11"/>
-              </a:cxn>
-              <a:cxn ang="0">
-                <a:pos x="T12" y="T13"/>
-              </a:cxn>
-              <a:cxn ang="0">
-                <a:pos x="T14" y="T15"/>
-              </a:cxn>
-              <a:cxn ang="0">
-                <a:pos x="T16" y="T17"/>
-              </a:cxn>
-              <a:cxn ang="0">
-                <a:pos x="T18" y="T19"/>
-              </a:cxn>
-              <a:cxn ang="0">
-                <a:pos x="T20" y="T21"/>
-              </a:cxn>
-              <a:cxn ang="0">
-                <a:pos x="T22" y="T23"/>
-              </a:cxn>
-              <a:cxn ang="0">
-                <a:pos x="T24" y="T25"/>
-              </a:cxn>
-              <a:cxn ang="0">
-                <a:pos x="T26" y="T27"/>
-              </a:cxn>
-              <a:cxn ang="0">
-                <a:pos x="T28" y="T29"/>
-              </a:cxn>
-              <a:cxn ang="0">
-                <a:pos x="T30" y="T31"/>
-              </a:cxn>
-              <a:cxn ang="0">
-                <a:pos x="T32" y="T33"/>
-              </a:cxn>
-              <a:cxn ang="0">
-                <a:pos x="T34" y="T35"/>
-              </a:cxn>
-              <a:cxn ang="0">
-                <a:pos x="T36" y="T37"/>
-              </a:cxn>
-              <a:cxn ang="0">
-                <a:pos x="T38" y="T39"/>
-              </a:cxn>
-              <a:cxn ang="0">
-                <a:pos x="T40" y="T41"/>
-              </a:cxn>
-              <a:cxn ang="0">
-                <a:pos x="T42" y="T43"/>
-              </a:cxn>
-              <a:cxn ang="0">
-                <a:pos x="T44" y="T45"/>
-              </a:cxn>
-              <a:cxn ang="0">
-                <a:pos x="T46" y="T47"/>
-              </a:cxn>
-              <a:cxn ang="0">
-                <a:pos x="T48" y="T49"/>
-              </a:cxn>
-              <a:cxn ang="0">
-                <a:pos x="T50" y="T51"/>
-              </a:cxn>
-              <a:cxn ang="0">
-                <a:pos x="T52" y="T53"/>
-              </a:cxn>
-              <a:cxn ang="0">
-                <a:pos x="T54" y="T55"/>
-              </a:cxn>
-              <a:cxn ang="0">
-                <a:pos x="T56" y="T57"/>
-              </a:cxn>
-            </a:cxnLst>
-            <a:rect l="0" t="0" r="r" b="b"/>
-            <a:pathLst>
-              <a:path w="65" h="45">
-                <a:moveTo>
-                  <a:pt x="25" y="45"/>
-                </a:moveTo>
-                <a:cubicBezTo>
-                  <a:pt x="9" y="44"/>
-                  <a:pt x="0" y="34"/>
-                  <a:pt x="0" y="22"/>
-                </a:cubicBezTo>
-                <a:cubicBezTo>
-                  <a:pt x="0" y="12"/>
-                  <a:pt x="9" y="3"/>
-                  <a:pt x="25" y="0"/>
-                </a:cubicBezTo>
-                <a:cubicBezTo>
-                  <a:pt x="25" y="45"/>
-                  <a:pt x="25" y="45"/>
-                  <a:pt x="25" y="45"/>
-                </a:cubicBezTo>
-                <a:close/>
-                <a:moveTo>
-                  <a:pt x="40" y="35"/>
-                </a:moveTo>
-                <a:cubicBezTo>
-                  <a:pt x="62" y="35"/>
-                  <a:pt x="62" y="35"/>
-                  <a:pt x="62" y="35"/>
-                </a:cubicBezTo>
-                <a:cubicBezTo>
-                  <a:pt x="62" y="40"/>
-                  <a:pt x="62" y="40"/>
-                  <a:pt x="62" y="40"/>
-                </a:cubicBezTo>
-                <a:cubicBezTo>
-                  <a:pt x="40" y="40"/>
-                  <a:pt x="40" y="40"/>
-                  <a:pt x="40" y="40"/>
-                </a:cubicBezTo>
-                <a:cubicBezTo>
-                  <a:pt x="40" y="35"/>
-                  <a:pt x="40" y="35"/>
-                  <a:pt x="40" y="35"/>
-                </a:cubicBezTo>
-                <a:close/>
-                <a:moveTo>
-                  <a:pt x="43" y="25"/>
-                </a:moveTo>
-                <a:cubicBezTo>
-                  <a:pt x="65" y="25"/>
-                  <a:pt x="65" y="25"/>
-                  <a:pt x="65" y="25"/>
-                </a:cubicBezTo>
-                <a:cubicBezTo>
-                  <a:pt x="65" y="30"/>
-                  <a:pt x="65" y="30"/>
-                  <a:pt x="65" y="30"/>
-                </a:cubicBezTo>
-                <a:cubicBezTo>
-                  <a:pt x="43" y="30"/>
-                  <a:pt x="43" y="30"/>
-                  <a:pt x="43" y="30"/>
-                </a:cubicBezTo>
-                <a:cubicBezTo>
-                  <a:pt x="43" y="25"/>
-                  <a:pt x="43" y="25"/>
-                  <a:pt x="43" y="25"/>
-                </a:cubicBezTo>
-                <a:close/>
-                <a:moveTo>
-                  <a:pt x="43" y="15"/>
-                </a:moveTo>
-                <a:cubicBezTo>
-                  <a:pt x="64" y="15"/>
-                  <a:pt x="64" y="15"/>
-                  <a:pt x="64" y="15"/>
-                </a:cubicBezTo>
-                <a:cubicBezTo>
-                  <a:pt x="64" y="20"/>
-                  <a:pt x="64" y="20"/>
-                  <a:pt x="64" y="20"/>
-                </a:cubicBezTo>
-                <a:cubicBezTo>
-                  <a:pt x="43" y="20"/>
-                  <a:pt x="43" y="20"/>
-                  <a:pt x="43" y="20"/>
-                </a:cubicBezTo>
-                <a:cubicBezTo>
-                  <a:pt x="43" y="15"/>
-                  <a:pt x="43" y="15"/>
-                  <a:pt x="43" y="15"/>
-                </a:cubicBezTo>
-                <a:close/>
-                <a:moveTo>
-                  <a:pt x="40" y="5"/>
-                </a:moveTo>
-                <a:cubicBezTo>
-                  <a:pt x="62" y="5"/>
-                  <a:pt x="62" y="5"/>
-                  <a:pt x="62" y="5"/>
-                </a:cubicBezTo>
-                <a:cubicBezTo>
-                  <a:pt x="62" y="9"/>
-                  <a:pt x="62" y="9"/>
-                  <a:pt x="62" y="9"/>
-                </a:cubicBezTo>
-                <a:cubicBezTo>
-                  <a:pt x="40" y="9"/>
-                  <a:pt x="40" y="9"/>
-                  <a:pt x="40" y="9"/>
-                </a:cubicBezTo>
-                <a:cubicBezTo>
-                  <a:pt x="40" y="5"/>
-                  <a:pt x="40" y="5"/>
-                  <a:pt x="40" y="5"/>
-                </a:cubicBezTo>
-                <a:close/>
-                <a:moveTo>
-                  <a:pt x="33" y="0"/>
-                </a:moveTo>
-                <a:cubicBezTo>
-                  <a:pt x="37" y="15"/>
-                  <a:pt x="37" y="30"/>
-                  <a:pt x="33" y="44"/>
-                </a:cubicBezTo>
-                <a:cubicBezTo>
-                  <a:pt x="31" y="45"/>
-                  <a:pt x="28" y="45"/>
-                  <a:pt x="26" y="45"/>
-                </a:cubicBezTo>
-                <a:cubicBezTo>
-                  <a:pt x="26" y="0"/>
-                  <a:pt x="26" y="0"/>
-                  <a:pt x="26" y="0"/>
-                </a:cubicBezTo>
-                <a:cubicBezTo>
-                  <a:pt x="28" y="0"/>
-                  <a:pt x="31" y="0"/>
-                  <a:pt x="33" y="0"/>
-                </a:cubicBezTo>
-                <a:close/>
-              </a:path>
-            </a:pathLst>
-          </a:custGeom>
-          <a:solidFill>
-            <a:schemeClr val="accent1"/>
-          </a:solidFill>
-          <a:ln>
-            <a:noFill/>
-          </a:ln>
-        </p:spPr>
-        <p:txBody>
-          <a:bodyPr vert="horz" wrap="square" lIns="91440" tIns="45720" rIns="91440" bIns="45720" numCol="1" anchor="t" anchorCtr="0" compatLnSpc="1">
-            <a:prstTxWarp prst="textNoShape">
-              <a:avLst/>
-            </a:prstTxWarp>
-          </a:bodyPr>
-          <a:lstStyle/>
-          <a:p>
-            <a:endParaRPr lang="zh-CN" altLang="en-US"/>
-          </a:p>
-        </p:txBody>
-      </p:sp>
-      <p:sp>
-        <p:nvSpPr>
-          <p:cNvPr id="30" name="文本框 29"/>
-          <p:cNvSpPr txBox="1"/>
-          <p:nvPr/>
-        </p:nvSpPr>
-        <p:spPr>
-          <a:xfrm>
-            <a:off x="1330591" y="3927802"/>
-            <a:ext cx="3321038" cy="369332"/>
-          </a:xfrm>
-          <a:prstGeom prst="rect">
-            <a:avLst/>
-          </a:prstGeom>
-          <a:noFill/>
-        </p:spPr>
-        <p:txBody>
-          <a:bodyPr wrap="square" rtlCol="0">
-            <a:spAutoFit/>
-          </a:bodyPr>
-          <a:lstStyle>
-            <a:defPPr>
-              <a:defRPr lang="zh-CN"/>
-            </a:defPPr>
-            <a:lvl1pPr>
-              <a:defRPr>
-                <a:solidFill>
-                  <a:schemeClr val="tx1">
-                    <a:lumMod val="85000"/>
-                    <a:lumOff val="15000"/>
-                  </a:schemeClr>
-                </a:solidFill>
-                <a:latin typeface="微软雅黑" panose="020B0503020204020204" pitchFamily="34" charset="-122"/>
-                <a:ea typeface="微软雅黑" panose="020B0503020204020204" pitchFamily="34" charset="-122"/>
-              </a:defRPr>
-            </a:lvl1pPr>
-          </a:lstStyle>
-          <a:p>
-            <a:r>
-              <a:rPr lang="zh-CN" altLang="en-US" dirty="0"/>
-              <a:t>我的毕设要用到</a:t>
-            </a:r>
-            <a:r>
-              <a:rPr lang="zh-CN" altLang="en-US" b="1" dirty="0">
-                <a:solidFill>
-                  <a:srgbClr val="0070C0"/>
-                </a:solidFill>
-              </a:rPr>
-              <a:t>灯光</a:t>
-            </a:r>
-            <a:endParaRPr lang="en-US" altLang="zh-CN" b="1" dirty="0">
-              <a:solidFill>
-                <a:srgbClr val="0070C0"/>
-              </a:solidFill>
-            </a:endParaRPr>
-          </a:p>
-        </p:txBody>
-      </p:sp>
-      <p:sp>
-        <p:nvSpPr>
-          <p:cNvPr id="31" name="文本框 30"/>
-          <p:cNvSpPr txBox="1"/>
-          <p:nvPr/>
-        </p:nvSpPr>
-        <p:spPr>
-          <a:xfrm>
-            <a:off x="581889" y="5102446"/>
-            <a:ext cx="6680147" cy="830997"/>
-          </a:xfrm>
-          <a:prstGeom prst="rect">
-            <a:avLst/>
-          </a:prstGeom>
-          <a:noFill/>
-        </p:spPr>
-        <p:txBody>
-          <a:bodyPr wrap="square" rtlCol="0">
-            <a:spAutoFit/>
-          </a:bodyPr>
-          <a:lstStyle/>
-          <a:p>
-            <a:r>
-              <a:rPr lang="zh-CN" altLang="en-US" sz="2400" b="1" dirty="0">
-                <a:solidFill>
-                  <a:schemeClr val="accent1"/>
-                </a:solidFill>
-                <a:latin typeface="微软雅黑" panose="020B0503020204020204" pitchFamily="34" charset="-122"/>
-                <a:ea typeface="微软雅黑" panose="020B0503020204020204" pitchFamily="34" charset="-122"/>
-              </a:rPr>
-              <a:t>在此输入一句逼格很高的总结性质的话，加点</a:t>
-            </a:r>
-            <a:r>
-              <a:rPr lang="en-US" altLang="zh-CN" sz="2400" b="1" dirty="0">
-                <a:solidFill>
-                  <a:schemeClr val="accent1"/>
-                </a:solidFill>
-                <a:latin typeface="微软雅黑" panose="020B0503020204020204" pitchFamily="34" charset="-122"/>
-                <a:ea typeface="微软雅黑" panose="020B0503020204020204" pitchFamily="34" charset="-122"/>
-              </a:rPr>
-              <a:t>English</a:t>
-            </a:r>
-            <a:r>
-              <a:rPr lang="zh-CN" altLang="en-US" sz="2400" b="1" dirty="0">
-                <a:solidFill>
-                  <a:schemeClr val="accent1"/>
-                </a:solidFill>
-                <a:latin typeface="微软雅黑" panose="020B0503020204020204" pitchFamily="34" charset="-122"/>
-                <a:ea typeface="微软雅黑" panose="020B0503020204020204" pitchFamily="34" charset="-122"/>
-              </a:rPr>
-              <a:t>效果更好。</a:t>
-            </a:r>
-            <a:endParaRPr lang="en-US" altLang="zh-CN" sz="2000" b="1" dirty="0">
-              <a:solidFill>
-                <a:schemeClr val="accent1"/>
-              </a:solidFill>
-              <a:latin typeface="Times New Roman" panose="02020603050405020304" pitchFamily="18" charset="0"/>
-              <a:cs typeface="Times New Roman" panose="02020603050405020304" pitchFamily="18" charset="0"/>
-            </a:endParaRPr>
-          </a:p>
-        </p:txBody>
-      </p:sp>
-      <p:grpSp>
-        <p:nvGrpSpPr>
           <p:cNvPr id="20" name="组合 19"/>
           <p:cNvGrpSpPr/>
           <p:nvPr/>
@@ -38683,6 +37215,188 @@
           </p:txBody>
         </p:sp>
       </p:grpSp>
+      <p:pic>
+        <p:nvPicPr>
+          <p:cNvPr id="3" name="图片 2">
+            <a:extLst>
+              <a:ext uri="{FF2B5EF4-FFF2-40B4-BE49-F238E27FC236}">
+                <a16:creationId xmlns:a16="http://schemas.microsoft.com/office/drawing/2014/main" id="{3C971D85-CD8D-42C5-8AAB-D99A8B80A480}"/>
+              </a:ext>
+            </a:extLst>
+          </p:cNvPr>
+          <p:cNvPicPr>
+            <a:picLocks noChangeAspect="1"/>
+          </p:cNvPicPr>
+          <p:nvPr/>
+        </p:nvPicPr>
+        <p:blipFill>
+          <a:blip r:embed="rId2">
+            <a:extLst>
+              <a:ext uri="{28A0092B-C50C-407E-A947-70E740481C1C}">
+                <a14:useLocalDpi xmlns:a14="http://schemas.microsoft.com/office/drawing/2010/main" val="0"/>
+              </a:ext>
+            </a:extLst>
+          </a:blip>
+          <a:stretch>
+            <a:fillRect/>
+          </a:stretch>
+        </p:blipFill>
+        <p:spPr>
+          <a:xfrm>
+            <a:off x="1024679" y="1302878"/>
+            <a:ext cx="7094641" cy="3417743"/>
+          </a:xfrm>
+          <a:prstGeom prst="rect">
+            <a:avLst/>
+          </a:prstGeom>
+        </p:spPr>
+      </p:pic>
+      <p:sp>
+        <p:nvSpPr>
+          <p:cNvPr id="4" name="文本框 3">
+            <a:extLst>
+              <a:ext uri="{FF2B5EF4-FFF2-40B4-BE49-F238E27FC236}">
+                <a16:creationId xmlns:a16="http://schemas.microsoft.com/office/drawing/2014/main" id="{3E50F99E-CD57-4CDA-A727-ADB5EECB7982}"/>
+              </a:ext>
+            </a:extLst>
+          </p:cNvPr>
+          <p:cNvSpPr txBox="1"/>
+          <p:nvPr/>
+        </p:nvSpPr>
+        <p:spPr>
+          <a:xfrm>
+            <a:off x="5050351" y="1752145"/>
+            <a:ext cx="1048609" cy="646331"/>
+          </a:xfrm>
+          <a:prstGeom prst="rect">
+            <a:avLst/>
+          </a:prstGeom>
+          <a:noFill/>
+        </p:spPr>
+        <p:txBody>
+          <a:bodyPr wrap="square" rtlCol="0">
+            <a:spAutoFit/>
+          </a:bodyPr>
+          <a:lstStyle/>
+          <a:p>
+            <a:r>
+              <a:rPr lang="zh-CN" altLang="en-US" dirty="0">
+                <a:latin typeface="+mj-ea"/>
+                <a:ea typeface="+mj-ea"/>
+              </a:rPr>
+              <a:t>信息素浓度低</a:t>
+            </a:r>
+          </a:p>
+        </p:txBody>
+      </p:sp>
+      <p:sp>
+        <p:nvSpPr>
+          <p:cNvPr id="23" name="文本框 22">
+            <a:extLst>
+              <a:ext uri="{FF2B5EF4-FFF2-40B4-BE49-F238E27FC236}">
+                <a16:creationId xmlns:a16="http://schemas.microsoft.com/office/drawing/2014/main" id="{21F66642-501D-4C37-B9E5-F459E4F506F6}"/>
+              </a:ext>
+            </a:extLst>
+          </p:cNvPr>
+          <p:cNvSpPr txBox="1"/>
+          <p:nvPr/>
+        </p:nvSpPr>
+        <p:spPr>
+          <a:xfrm>
+            <a:off x="7218998" y="1749752"/>
+            <a:ext cx="1048609" cy="646331"/>
+          </a:xfrm>
+          <a:prstGeom prst="rect">
+            <a:avLst/>
+          </a:prstGeom>
+          <a:noFill/>
+        </p:spPr>
+        <p:txBody>
+          <a:bodyPr wrap="square" rtlCol="0">
+            <a:spAutoFit/>
+          </a:bodyPr>
+          <a:lstStyle/>
+          <a:p>
+            <a:r>
+              <a:rPr lang="zh-CN" altLang="en-US" dirty="0">
+                <a:latin typeface="+mj-ea"/>
+                <a:ea typeface="+mj-ea"/>
+              </a:rPr>
+              <a:t>信息素浓度高</a:t>
+            </a:r>
+          </a:p>
+        </p:txBody>
+      </p:sp>
+      <p:sp>
+        <p:nvSpPr>
+          <p:cNvPr id="5" name="文本框 4">
+            <a:extLst>
+              <a:ext uri="{FF2B5EF4-FFF2-40B4-BE49-F238E27FC236}">
+                <a16:creationId xmlns:a16="http://schemas.microsoft.com/office/drawing/2014/main" id="{0926F0D9-1887-48F2-9325-B3CF2158B57E}"/>
+              </a:ext>
+            </a:extLst>
+          </p:cNvPr>
+          <p:cNvSpPr txBox="1"/>
+          <p:nvPr/>
+        </p:nvSpPr>
+        <p:spPr>
+          <a:xfrm>
+            <a:off x="2730103" y="1876104"/>
+            <a:ext cx="975065" cy="646331"/>
+          </a:xfrm>
+          <a:prstGeom prst="rect">
+            <a:avLst/>
+          </a:prstGeom>
+          <a:noFill/>
+        </p:spPr>
+        <p:txBody>
+          <a:bodyPr wrap="square" rtlCol="0">
+            <a:spAutoFit/>
+          </a:bodyPr>
+          <a:lstStyle/>
+          <a:p>
+            <a:r>
+              <a:rPr lang="zh-CN" altLang="en-US" dirty="0"/>
+              <a:t>随机选择路径</a:t>
+            </a:r>
+          </a:p>
+        </p:txBody>
+      </p:sp>
+      <p:sp>
+        <p:nvSpPr>
+          <p:cNvPr id="6" name="文本框 5">
+            <a:extLst>
+              <a:ext uri="{FF2B5EF4-FFF2-40B4-BE49-F238E27FC236}">
+                <a16:creationId xmlns:a16="http://schemas.microsoft.com/office/drawing/2014/main" id="{BC258B96-0DE2-47AE-9B84-4262B538B8A6}"/>
+              </a:ext>
+            </a:extLst>
+          </p:cNvPr>
+          <p:cNvSpPr txBox="1"/>
+          <p:nvPr/>
+        </p:nvSpPr>
+        <p:spPr>
+          <a:xfrm>
+            <a:off x="2246050" y="5530788"/>
+            <a:ext cx="2262158" cy="369332"/>
+          </a:xfrm>
+          <a:prstGeom prst="rect">
+            <a:avLst/>
+          </a:prstGeom>
+          <a:noFill/>
+        </p:spPr>
+        <p:txBody>
+          <a:bodyPr wrap="none" rtlCol="0">
+            <a:spAutoFit/>
+          </a:bodyPr>
+          <a:lstStyle/>
+          <a:p>
+            <a:r>
+              <a:rPr lang="zh-CN" altLang="en-US" dirty="0"/>
+              <a:t>最终所有的蚂蚁都在</a:t>
+            </a:r>
+          </a:p>
+        </p:txBody>
+      </p:sp>
     </p:spTree>
     <p:extLst>
       <p:ext uri="{BB962C8B-B14F-4D97-AF65-F5344CB8AC3E}">
@@ -38833,7 +37547,7 @@
                                 </p:cTn>
                               </p:par>
                               <p:par>
-                                <p:cTn id="13" presetID="53" presetClass="entr" presetSubtype="16" fill="hold" nodeType="withEffect">
+                                <p:cTn id="13" presetID="22" presetClass="entr" presetSubtype="2" fill="hold" nodeType="withEffect">
                                   <p:stCondLst>
                                     <p:cond delay="250"/>
                                   </p:stCondLst>
@@ -38846,389 +37560,6 @@
                                           </p:stCondLst>
                                         </p:cTn>
                                         <p:tgtEl>
-                                          <p:spTgt spid="13"/>
-                                        </p:tgtEl>
-                                        <p:attrNameLst>
-                                          <p:attrName>style.visibility</p:attrName>
-                                        </p:attrNameLst>
-                                      </p:cBhvr>
-                                      <p:to>
-                                        <p:strVal val="visible"/>
-                                      </p:to>
-                                    </p:set>
-                                    <p:anim calcmode="lin" valueType="num">
-                                      <p:cBhvr>
-                                        <p:cTn id="15" dur="500" fill="hold"/>
-                                        <p:tgtEl>
-                                          <p:spTgt spid="13"/>
-                                        </p:tgtEl>
-                                        <p:attrNameLst>
-                                          <p:attrName>ppt_w</p:attrName>
-                                        </p:attrNameLst>
-                                      </p:cBhvr>
-                                      <p:tavLst>
-                                        <p:tav tm="0">
-                                          <p:val>
-                                            <p:fltVal val="0"/>
-                                          </p:val>
-                                        </p:tav>
-                                        <p:tav tm="100000">
-                                          <p:val>
-                                            <p:strVal val="#ppt_w"/>
-                                          </p:val>
-                                        </p:tav>
-                                      </p:tavLst>
-                                    </p:anim>
-                                    <p:anim calcmode="lin" valueType="num">
-                                      <p:cBhvr>
-                                        <p:cTn id="16" dur="500" fill="hold"/>
-                                        <p:tgtEl>
-                                          <p:spTgt spid="13"/>
-                                        </p:tgtEl>
-                                        <p:attrNameLst>
-                                          <p:attrName>ppt_h</p:attrName>
-                                        </p:attrNameLst>
-                                      </p:cBhvr>
-                                      <p:tavLst>
-                                        <p:tav tm="0">
-                                          <p:val>
-                                            <p:fltVal val="0"/>
-                                          </p:val>
-                                        </p:tav>
-                                        <p:tav tm="100000">
-                                          <p:val>
-                                            <p:strVal val="#ppt_h"/>
-                                          </p:val>
-                                        </p:tav>
-                                      </p:tavLst>
-                                    </p:anim>
-                                    <p:animEffect transition="in" filter="fade">
-                                      <p:cBhvr>
-                                        <p:cTn id="17" dur="500"/>
-                                        <p:tgtEl>
-                                          <p:spTgt spid="13"/>
-                                        </p:tgtEl>
-                                      </p:cBhvr>
-                                    </p:animEffect>
-                                  </p:childTnLst>
-                                </p:cTn>
-                              </p:par>
-                              <p:par>
-                                <p:cTn id="18" presetID="53" presetClass="entr" presetSubtype="16" fill="hold" grpId="0" nodeType="withEffect">
-                                  <p:stCondLst>
-                                    <p:cond delay="250"/>
-                                  </p:stCondLst>
-                                  <p:childTnLst>
-                                    <p:set>
-                                      <p:cBhvr>
-                                        <p:cTn id="19" dur="1" fill="hold">
-                                          <p:stCondLst>
-                                            <p:cond delay="0"/>
-                                          </p:stCondLst>
-                                        </p:cTn>
-                                        <p:tgtEl>
-                                          <p:spTgt spid="27"/>
-                                        </p:tgtEl>
-                                        <p:attrNameLst>
-                                          <p:attrName>style.visibility</p:attrName>
-                                        </p:attrNameLst>
-                                      </p:cBhvr>
-                                      <p:to>
-                                        <p:strVal val="visible"/>
-                                      </p:to>
-                                    </p:set>
-                                    <p:anim calcmode="lin" valueType="num">
-                                      <p:cBhvr>
-                                        <p:cTn id="20" dur="500" fill="hold"/>
-                                        <p:tgtEl>
-                                          <p:spTgt spid="27"/>
-                                        </p:tgtEl>
-                                        <p:attrNameLst>
-                                          <p:attrName>ppt_w</p:attrName>
-                                        </p:attrNameLst>
-                                      </p:cBhvr>
-                                      <p:tavLst>
-                                        <p:tav tm="0">
-                                          <p:val>
-                                            <p:fltVal val="0"/>
-                                          </p:val>
-                                        </p:tav>
-                                        <p:tav tm="100000">
-                                          <p:val>
-                                            <p:strVal val="#ppt_w"/>
-                                          </p:val>
-                                        </p:tav>
-                                      </p:tavLst>
-                                    </p:anim>
-                                    <p:anim calcmode="lin" valueType="num">
-                                      <p:cBhvr>
-                                        <p:cTn id="21" dur="500" fill="hold"/>
-                                        <p:tgtEl>
-                                          <p:spTgt spid="27"/>
-                                        </p:tgtEl>
-                                        <p:attrNameLst>
-                                          <p:attrName>ppt_h</p:attrName>
-                                        </p:attrNameLst>
-                                      </p:cBhvr>
-                                      <p:tavLst>
-                                        <p:tav tm="0">
-                                          <p:val>
-                                            <p:fltVal val="0"/>
-                                          </p:val>
-                                        </p:tav>
-                                        <p:tav tm="100000">
-                                          <p:val>
-                                            <p:strVal val="#ppt_h"/>
-                                          </p:val>
-                                        </p:tav>
-                                      </p:tavLst>
-                                    </p:anim>
-                                    <p:animEffect transition="in" filter="fade">
-                                      <p:cBhvr>
-                                        <p:cTn id="22" dur="500"/>
-                                        <p:tgtEl>
-                                          <p:spTgt spid="27"/>
-                                        </p:tgtEl>
-                                      </p:cBhvr>
-                                    </p:animEffect>
-                                  </p:childTnLst>
-                                </p:cTn>
-                              </p:par>
-                              <p:par>
-                                <p:cTn id="23" presetID="53" presetClass="entr" presetSubtype="16" fill="hold" grpId="0" nodeType="withEffect">
-                                  <p:stCondLst>
-                                    <p:cond delay="250"/>
-                                  </p:stCondLst>
-                                  <p:childTnLst>
-                                    <p:set>
-                                      <p:cBhvr>
-                                        <p:cTn id="24" dur="1" fill="hold">
-                                          <p:stCondLst>
-                                            <p:cond delay="0"/>
-                                          </p:stCondLst>
-                                        </p:cTn>
-                                        <p:tgtEl>
-                                          <p:spTgt spid="24"/>
-                                        </p:tgtEl>
-                                        <p:attrNameLst>
-                                          <p:attrName>style.visibility</p:attrName>
-                                        </p:attrNameLst>
-                                      </p:cBhvr>
-                                      <p:to>
-                                        <p:strVal val="visible"/>
-                                      </p:to>
-                                    </p:set>
-                                    <p:anim calcmode="lin" valueType="num">
-                                      <p:cBhvr>
-                                        <p:cTn id="25" dur="500" fill="hold"/>
-                                        <p:tgtEl>
-                                          <p:spTgt spid="24"/>
-                                        </p:tgtEl>
-                                        <p:attrNameLst>
-                                          <p:attrName>ppt_w</p:attrName>
-                                        </p:attrNameLst>
-                                      </p:cBhvr>
-                                      <p:tavLst>
-                                        <p:tav tm="0">
-                                          <p:val>
-                                            <p:fltVal val="0"/>
-                                          </p:val>
-                                        </p:tav>
-                                        <p:tav tm="100000">
-                                          <p:val>
-                                            <p:strVal val="#ppt_w"/>
-                                          </p:val>
-                                        </p:tav>
-                                      </p:tavLst>
-                                    </p:anim>
-                                    <p:anim calcmode="lin" valueType="num">
-                                      <p:cBhvr>
-                                        <p:cTn id="26" dur="500" fill="hold"/>
-                                        <p:tgtEl>
-                                          <p:spTgt spid="24"/>
-                                        </p:tgtEl>
-                                        <p:attrNameLst>
-                                          <p:attrName>ppt_h</p:attrName>
-                                        </p:attrNameLst>
-                                      </p:cBhvr>
-                                      <p:tavLst>
-                                        <p:tav tm="0">
-                                          <p:val>
-                                            <p:fltVal val="0"/>
-                                          </p:val>
-                                        </p:tav>
-                                        <p:tav tm="100000">
-                                          <p:val>
-                                            <p:strVal val="#ppt_h"/>
-                                          </p:val>
-                                        </p:tav>
-                                      </p:tavLst>
-                                    </p:anim>
-                                    <p:animEffect transition="in" filter="fade">
-                                      <p:cBhvr>
-                                        <p:cTn id="27" dur="500"/>
-                                        <p:tgtEl>
-                                          <p:spTgt spid="24"/>
-                                        </p:tgtEl>
-                                      </p:cBhvr>
-                                    </p:animEffect>
-                                  </p:childTnLst>
-                                </p:cTn>
-                              </p:par>
-                              <p:par>
-                                <p:cTn id="28" presetID="22" presetClass="entr" presetSubtype="8" fill="hold" grpId="0" nodeType="withEffect">
-                                  <p:stCondLst>
-                                    <p:cond delay="500"/>
-                                  </p:stCondLst>
-                                  <p:childTnLst>
-                                    <p:set>
-                                      <p:cBhvr>
-                                        <p:cTn id="29" dur="1" fill="hold">
-                                          <p:stCondLst>
-                                            <p:cond delay="0"/>
-                                          </p:stCondLst>
-                                        </p:cTn>
-                                        <p:tgtEl>
-                                          <p:spTgt spid="28"/>
-                                        </p:tgtEl>
-                                        <p:attrNameLst>
-                                          <p:attrName>style.visibility</p:attrName>
-                                        </p:attrNameLst>
-                                      </p:cBhvr>
-                                      <p:to>
-                                        <p:strVal val="visible"/>
-                                      </p:to>
-                                    </p:set>
-                                    <p:animEffect transition="in" filter="wipe(left)">
-                                      <p:cBhvr>
-                                        <p:cTn id="30" dur="500"/>
-                                        <p:tgtEl>
-                                          <p:spTgt spid="28"/>
-                                        </p:tgtEl>
-                                      </p:cBhvr>
-                                    </p:animEffect>
-                                  </p:childTnLst>
-                                </p:cTn>
-                              </p:par>
-                              <p:par>
-                                <p:cTn id="31" presetID="22" presetClass="entr" presetSubtype="8" fill="hold" grpId="0" nodeType="withEffect">
-                                  <p:stCondLst>
-                                    <p:cond delay="500"/>
-                                  </p:stCondLst>
-                                  <p:childTnLst>
-                                    <p:set>
-                                      <p:cBhvr>
-                                        <p:cTn id="32" dur="1" fill="hold">
-                                          <p:stCondLst>
-                                            <p:cond delay="0"/>
-                                          </p:stCondLst>
-                                        </p:cTn>
-                                        <p:tgtEl>
-                                          <p:spTgt spid="29"/>
-                                        </p:tgtEl>
-                                        <p:attrNameLst>
-                                          <p:attrName>style.visibility</p:attrName>
-                                        </p:attrNameLst>
-                                      </p:cBhvr>
-                                      <p:to>
-                                        <p:strVal val="visible"/>
-                                      </p:to>
-                                    </p:set>
-                                    <p:animEffect transition="in" filter="wipe(left)">
-                                      <p:cBhvr>
-                                        <p:cTn id="33" dur="500"/>
-                                        <p:tgtEl>
-                                          <p:spTgt spid="29"/>
-                                        </p:tgtEl>
-                                      </p:cBhvr>
-                                    </p:animEffect>
-                                  </p:childTnLst>
-                                </p:cTn>
-                              </p:par>
-                              <p:par>
-                                <p:cTn id="34" presetID="22" presetClass="entr" presetSubtype="8" fill="hold" grpId="0" nodeType="withEffect">
-                                  <p:stCondLst>
-                                    <p:cond delay="500"/>
-                                  </p:stCondLst>
-                                  <p:childTnLst>
-                                    <p:set>
-                                      <p:cBhvr>
-                                        <p:cTn id="35" dur="1" fill="hold">
-                                          <p:stCondLst>
-                                            <p:cond delay="0"/>
-                                          </p:stCondLst>
-                                        </p:cTn>
-                                        <p:tgtEl>
-                                          <p:spTgt spid="30"/>
-                                        </p:tgtEl>
-                                        <p:attrNameLst>
-                                          <p:attrName>style.visibility</p:attrName>
-                                        </p:attrNameLst>
-                                      </p:cBhvr>
-                                      <p:to>
-                                        <p:strVal val="visible"/>
-                                      </p:to>
-                                    </p:set>
-                                    <p:animEffect transition="in" filter="wipe(left)">
-                                      <p:cBhvr>
-                                        <p:cTn id="36" dur="500"/>
-                                        <p:tgtEl>
-                                          <p:spTgt spid="30"/>
-                                        </p:tgtEl>
-                                      </p:cBhvr>
-                                    </p:animEffect>
-                                  </p:childTnLst>
-                                </p:cTn>
-                              </p:par>
-                              <p:par>
-                                <p:cTn id="37" presetID="22" presetClass="entr" presetSubtype="8" fill="hold" grpId="0" nodeType="withEffect">
-                                  <p:stCondLst>
-                                    <p:cond delay="500"/>
-                                  </p:stCondLst>
-                                  <p:childTnLst>
-                                    <p:set>
-                                      <p:cBhvr>
-                                        <p:cTn id="38" dur="1" fill="hold">
-                                          <p:stCondLst>
-                                            <p:cond delay="0"/>
-                                          </p:stCondLst>
-                                        </p:cTn>
-                                        <p:tgtEl>
-                                          <p:spTgt spid="31"/>
-                                        </p:tgtEl>
-                                        <p:attrNameLst>
-                                          <p:attrName>style.visibility</p:attrName>
-                                        </p:attrNameLst>
-                                      </p:cBhvr>
-                                      <p:to>
-                                        <p:strVal val="visible"/>
-                                      </p:to>
-                                    </p:set>
-                                    <p:animEffect transition="in" filter="wipe(left)">
-                                      <p:cBhvr>
-                                        <p:cTn id="39" dur="500"/>
-                                        <p:tgtEl>
-                                          <p:spTgt spid="31"/>
-                                        </p:tgtEl>
-                                      </p:cBhvr>
-                                    </p:animEffect>
-                                  </p:childTnLst>
-                                </p:cTn>
-                              </p:par>
-                              <p:par>
-                                <p:cTn id="40" presetID="22" presetClass="entr" presetSubtype="2" fill="hold" nodeType="withEffect">
-                                  <p:stCondLst>
-                                    <p:cond delay="250"/>
-                                  </p:stCondLst>
-                                  <p:childTnLst>
-                                    <p:set>
-                                      <p:cBhvr>
-                                        <p:cTn id="41" dur="1" fill="hold">
-                                          <p:stCondLst>
-                                            <p:cond delay="0"/>
-                                          </p:stCondLst>
-                                        </p:cTn>
-                                        <p:tgtEl>
                                           <p:spTgt spid="20"/>
                                         </p:tgtEl>
                                         <p:attrNameLst>
@@ -39241,7 +37572,7 @@
                                     </p:set>
                                     <p:animEffect transition="in" filter="wipe(right)">
                                       <p:cBhvr>
-                                        <p:cTn id="42" dur="500"/>
+                                        <p:cTn id="15" dur="500"/>
                                         <p:tgtEl>
                                           <p:spTgt spid="20"/>
                                         </p:tgtEl>
@@ -39279,12 +37610,6 @@
     </p:tnLst>
     <p:bldLst>
       <p:bldP spid="18" grpId="0"/>
-      <p:bldP spid="28" grpId="0"/>
-      <p:bldP spid="27" grpId="0" animBg="1"/>
-      <p:bldP spid="29" grpId="0"/>
-      <p:bldP spid="24" grpId="0" animBg="1"/>
-      <p:bldP spid="30" grpId="0"/>
-      <p:bldP spid="31" grpId="0"/>
     </p:bldLst>
   </p:timing>
 </p:sld>
@@ -39468,41 +37793,6 @@
           </a:p>
         </p:txBody>
       </p:sp>
-      <p:pic>
-        <p:nvPicPr>
-          <p:cNvPr id="22" name="图片 21"/>
-          <p:cNvPicPr>
-            <a:picLocks noChangeAspect="1"/>
-          </p:cNvPicPr>
-          <p:nvPr/>
-        </p:nvPicPr>
-        <p:blipFill>
-          <a:blip r:embed="rId2" cstate="print">
-            <a:extLst>
-              <a:ext uri="{28A0092B-C50C-407E-A947-70E740481C1C}">
-                <a14:useLocalDpi xmlns:a14="http://schemas.microsoft.com/office/drawing/2010/main" val="0"/>
-              </a:ext>
-            </a:extLst>
-          </a:blip>
-          <a:stretch>
-            <a:fillRect/>
-          </a:stretch>
-        </p:blipFill>
-        <p:spPr>
-          <a:xfrm>
-            <a:off x="1358399" y="1196484"/>
-            <a:ext cx="6427204" cy="4268814"/>
-          </a:xfrm>
-          <a:prstGeom prst="rect">
-            <a:avLst/>
-          </a:prstGeom>
-          <a:ln w="25400">
-            <a:solidFill>
-              <a:schemeClr val="accent1"/>
-            </a:solidFill>
-          </a:ln>
-        </p:spPr>
-      </p:pic>
       <p:grpSp>
         <p:nvGrpSpPr>
           <p:cNvPr id="5" name="组合 4"/>
@@ -39838,6 +38128,42 @@
           </p:txBody>
         </p:sp>
       </p:grpSp>
+      <p:pic>
+        <p:nvPicPr>
+          <p:cNvPr id="3" name="图片 2">
+            <a:extLst>
+              <a:ext uri="{FF2B5EF4-FFF2-40B4-BE49-F238E27FC236}">
+                <a16:creationId xmlns:a16="http://schemas.microsoft.com/office/drawing/2014/main" id="{DBF06777-FAA4-4675-B0A0-BD18BA5ABEFA}"/>
+              </a:ext>
+            </a:extLst>
+          </p:cNvPr>
+          <p:cNvPicPr>
+            <a:picLocks noChangeAspect="1"/>
+          </p:cNvPicPr>
+          <p:nvPr/>
+        </p:nvPicPr>
+        <p:blipFill>
+          <a:blip r:embed="rId2">
+            <a:extLst>
+              <a:ext uri="{28A0092B-C50C-407E-A947-70E740481C1C}">
+                <a14:useLocalDpi xmlns:a14="http://schemas.microsoft.com/office/drawing/2010/main" val="0"/>
+              </a:ext>
+            </a:extLst>
+          </a:blip>
+          <a:stretch>
+            <a:fillRect/>
+          </a:stretch>
+        </p:blipFill>
+        <p:spPr>
+          <a:xfrm>
+            <a:off x="1220659" y="1682620"/>
+            <a:ext cx="6505575" cy="3295650"/>
+          </a:xfrm>
+          <a:prstGeom prst="rect">
+            <a:avLst/>
+          </a:prstGeom>
+        </p:spPr>
+      </p:pic>
     </p:spTree>
     <p:extLst>
       <p:ext uri="{BB962C8B-B14F-4D97-AF65-F5344CB8AC3E}">
@@ -40023,7 +38349,7 @@
                                 </p:cTn>
                               </p:par>
                               <p:par>
-                                <p:cTn id="16" presetID="42" presetClass="entr" presetSubtype="0" fill="hold" nodeType="withEffect">
+                                <p:cTn id="16" presetID="16" presetClass="entr" presetSubtype="37" fill="hold" nodeType="withEffect">
                                   <p:stCondLst>
                                     <p:cond delay="250"/>
                                   </p:stCondLst>
@@ -40036,7 +38362,7 @@
                                           </p:stCondLst>
                                         </p:cTn>
                                         <p:tgtEl>
-                                          <p:spTgt spid="22"/>
+                                          <p:spTgt spid="5"/>
                                         </p:tgtEl>
                                         <p:attrNameLst>
                                           <p:attrName>style.visibility</p:attrName>
@@ -40046,107 +38372,26 @@
                                         <p:strVal val="visible"/>
                                       </p:to>
                                     </p:set>
-                                    <p:animEffect transition="in" filter="fade">
+                                    <p:animEffect transition="in" filter="barn(outVertical)">
                                       <p:cBhvr>
                                         <p:cTn id="18" dur="500"/>
                                         <p:tgtEl>
-                                          <p:spTgt spid="22"/>
+                                          <p:spTgt spid="5"/>
                                         </p:tgtEl>
                                       </p:cBhvr>
                                     </p:animEffect>
-                                    <p:anim calcmode="lin" valueType="num">
-                                      <p:cBhvr>
-                                        <p:cTn id="19" dur="500" fill="hold"/>
-                                        <p:tgtEl>
-                                          <p:spTgt spid="22"/>
-                                        </p:tgtEl>
-                                        <p:attrNameLst>
-                                          <p:attrName>ppt_x</p:attrName>
-                                        </p:attrNameLst>
-                                      </p:cBhvr>
-                                      <p:tavLst>
-                                        <p:tav tm="0">
-                                          <p:val>
-                                            <p:strVal val="#ppt_x"/>
-                                          </p:val>
-                                        </p:tav>
-                                        <p:tav tm="100000">
-                                          <p:val>
-                                            <p:strVal val="#ppt_x"/>
-                                          </p:val>
-                                        </p:tav>
-                                      </p:tavLst>
-                                    </p:anim>
-                                    <p:anim calcmode="lin" valueType="num">
-                                      <p:cBhvr>
-                                        <p:cTn id="20" dur="500" fill="hold"/>
-                                        <p:tgtEl>
-                                          <p:spTgt spid="22"/>
-                                        </p:tgtEl>
-                                        <p:attrNameLst>
-                                          <p:attrName>ppt_y</p:attrName>
-                                        </p:attrNameLst>
-                                      </p:cBhvr>
-                                      <p:tavLst>
-                                        <p:tav tm="0">
-                                          <p:val>
-                                            <p:strVal val="#ppt_y+.1"/>
-                                          </p:val>
-                                        </p:tav>
-                                        <p:tav tm="100000">
-                                          <p:val>
-                                            <p:strVal val="#ppt_y"/>
-                                          </p:val>
-                                        </p:tav>
-                                      </p:tavLst>
-                                    </p:anim>
                                   </p:childTnLst>
                                 </p:cTn>
                               </p:par>
                               <p:par>
-                                <p:cTn id="21" presetID="16" presetClass="entr" presetSubtype="37" fill="hold" nodeType="withEffect">
+                                <p:cTn id="19" presetID="22" presetClass="entr" presetSubtype="8" fill="hold" grpId="0" nodeType="withEffect">
                                   <p:stCondLst>
                                     <p:cond delay="250"/>
                                   </p:stCondLst>
                                   <p:childTnLst>
                                     <p:set>
                                       <p:cBhvr>
-                                        <p:cTn id="22" dur="1" fill="hold">
-                                          <p:stCondLst>
-                                            <p:cond delay="0"/>
-                                          </p:stCondLst>
-                                        </p:cTn>
-                                        <p:tgtEl>
-                                          <p:spTgt spid="5"/>
-                                        </p:tgtEl>
-                                        <p:attrNameLst>
-                                          <p:attrName>style.visibility</p:attrName>
-                                        </p:attrNameLst>
-                                      </p:cBhvr>
-                                      <p:to>
-                                        <p:strVal val="visible"/>
-                                      </p:to>
-                                    </p:set>
-                                    <p:animEffect transition="in" filter="barn(outVertical)">
-                                      <p:cBhvr>
-                                        <p:cTn id="23" dur="500"/>
-                                        <p:tgtEl>
-                                          <p:spTgt spid="5"/>
-                                        </p:tgtEl>
-                                      </p:cBhvr>
-                                    </p:animEffect>
-                                  </p:childTnLst>
-                                </p:cTn>
-                              </p:par>
-                              <p:par>
-                                <p:cTn id="24" presetID="22" presetClass="entr" presetSubtype="8" fill="hold" grpId="0" nodeType="withEffect">
-                                  <p:stCondLst>
-                                    <p:cond delay="250"/>
-                                  </p:stCondLst>
-                                  <p:childTnLst>
-                                    <p:set>
-                                      <p:cBhvr>
-                                        <p:cTn id="25" dur="1" fill="hold">
+                                        <p:cTn id="20" dur="1" fill="hold">
                                           <p:stCondLst>
                                             <p:cond delay="0"/>
                                           </p:stCondLst>
@@ -40164,7 +38409,7 @@
                                     </p:set>
                                     <p:animEffect transition="in" filter="wipe(left)">
                                       <p:cBhvr>
-                                        <p:cTn id="26" dur="500"/>
+                                        <p:cTn id="21" dur="500"/>
                                         <p:tgtEl>
                                           <p:spTgt spid="36"/>
                                         </p:tgtEl>
@@ -42685,19 +40930,6 @@
           <a:lstStyle/>
           <a:p>
             <a:r>
-              <a:rPr lang="en-US" altLang="zh-CN" sz="2400" b="1" dirty="0">
-                <a:solidFill>
-                  <a:schemeClr val="tx1">
-                    <a:lumMod val="85000"/>
-                    <a:lumOff val="15000"/>
-                  </a:schemeClr>
-                </a:solidFill>
-                <a:latin typeface="微软雅黑" panose="020B0503020204020204" pitchFamily="34" charset="-122"/>
-                <a:ea typeface="微软雅黑" panose="020B0503020204020204" pitchFamily="34" charset="-122"/>
-              </a:rPr>
-              <a:t>2.</a:t>
-            </a:r>
-            <a:r>
               <a:rPr lang="zh-CN" altLang="en-US" sz="2400" b="1" dirty="0">
                 <a:solidFill>
                   <a:schemeClr val="tx1">
@@ -42708,7 +40940,7 @@
                 <a:latin typeface="微软雅黑" panose="020B0503020204020204" pitchFamily="34" charset="-122"/>
                 <a:ea typeface="微软雅黑" panose="020B0503020204020204" pitchFamily="34" charset="-122"/>
               </a:rPr>
-              <a:t>在此输入一些酷炫的文字</a:t>
+              <a:t>蚁群优化算法的发展历程</a:t>
             </a:r>
             <a:endParaRPr lang="en-US" altLang="zh-CN" sz="2400" b="1" dirty="0">
               <a:solidFill>
@@ -42723,177 +40955,6 @@
           </a:p>
         </p:txBody>
       </p:sp>
-      <p:cxnSp>
-        <p:nvCxnSpPr>
-          <p:cNvPr id="57" name="直接连接符 56"/>
-          <p:cNvCxnSpPr/>
-          <p:nvPr/>
-        </p:nvCxnSpPr>
-        <p:spPr>
-          <a:xfrm>
-            <a:off x="1712686" y="2119086"/>
-            <a:ext cx="2800961" cy="905651"/>
-          </a:xfrm>
-          <a:prstGeom prst="line">
-            <a:avLst/>
-          </a:prstGeom>
-          <a:ln w="25400"/>
-        </p:spPr>
-        <p:style>
-          <a:lnRef idx="1">
-            <a:schemeClr val="accent1"/>
-          </a:lnRef>
-          <a:fillRef idx="0">
-            <a:schemeClr val="accent1"/>
-          </a:fillRef>
-          <a:effectRef idx="0">
-            <a:schemeClr val="accent1"/>
-          </a:effectRef>
-          <a:fontRef idx="minor">
-            <a:schemeClr val="tx1"/>
-          </a:fontRef>
-        </p:style>
-      </p:cxnSp>
-      <p:cxnSp>
-        <p:nvCxnSpPr>
-          <p:cNvPr id="58" name="直接连接符 57"/>
-          <p:cNvCxnSpPr/>
-          <p:nvPr/>
-        </p:nvCxnSpPr>
-        <p:spPr>
-          <a:xfrm flipV="1">
-            <a:off x="2569029" y="3050138"/>
-            <a:ext cx="1957318" cy="984833"/>
-          </a:xfrm>
-          <a:prstGeom prst="line">
-            <a:avLst/>
-          </a:prstGeom>
-          <a:ln w="25400"/>
-        </p:spPr>
-        <p:style>
-          <a:lnRef idx="1">
-            <a:schemeClr val="accent1"/>
-          </a:lnRef>
-          <a:fillRef idx="0">
-            <a:schemeClr val="accent1"/>
-          </a:fillRef>
-          <a:effectRef idx="0">
-            <a:schemeClr val="accent1"/>
-          </a:effectRef>
-          <a:fontRef idx="minor">
-            <a:schemeClr val="tx1"/>
-          </a:fontRef>
-        </p:style>
-      </p:cxnSp>
-      <p:cxnSp>
-        <p:nvCxnSpPr>
-          <p:cNvPr id="62" name="直接连接符 61"/>
-          <p:cNvCxnSpPr/>
-          <p:nvPr/>
-        </p:nvCxnSpPr>
-        <p:spPr>
-          <a:xfrm flipV="1">
-            <a:off x="4438677" y="1422400"/>
-            <a:ext cx="2546618" cy="1627739"/>
-          </a:xfrm>
-          <a:prstGeom prst="line">
-            <a:avLst/>
-          </a:prstGeom>
-          <a:ln w="25400"/>
-        </p:spPr>
-        <p:style>
-          <a:lnRef idx="1">
-            <a:schemeClr val="accent1"/>
-          </a:lnRef>
-          <a:fillRef idx="0">
-            <a:schemeClr val="accent1"/>
-          </a:fillRef>
-          <a:effectRef idx="0">
-            <a:schemeClr val="accent1"/>
-          </a:effectRef>
-          <a:fontRef idx="minor">
-            <a:schemeClr val="tx1"/>
-          </a:fontRef>
-        </p:style>
-      </p:cxnSp>
-      <p:cxnSp>
-        <p:nvCxnSpPr>
-          <p:cNvPr id="64" name="直接连接符 63"/>
-          <p:cNvCxnSpPr/>
-          <p:nvPr/>
-        </p:nvCxnSpPr>
-        <p:spPr>
-          <a:xfrm>
-            <a:off x="4500947" y="3024738"/>
-            <a:ext cx="3307739" cy="632862"/>
-          </a:xfrm>
-          <a:prstGeom prst="line">
-            <a:avLst/>
-          </a:prstGeom>
-          <a:ln w="25400"/>
-        </p:spPr>
-        <p:style>
-          <a:lnRef idx="1">
-            <a:schemeClr val="accent1"/>
-          </a:lnRef>
-          <a:fillRef idx="0">
-            <a:schemeClr val="accent1"/>
-          </a:fillRef>
-          <a:effectRef idx="0">
-            <a:schemeClr val="accent1"/>
-          </a:effectRef>
-          <a:fontRef idx="minor">
-            <a:schemeClr val="tx1"/>
-          </a:fontRef>
-        </p:style>
-      </p:cxnSp>
-      <p:sp>
-        <p:nvSpPr>
-          <p:cNvPr id="66" name="文本框 65"/>
-          <p:cNvSpPr txBox="1"/>
-          <p:nvPr/>
-        </p:nvSpPr>
-        <p:spPr>
-          <a:xfrm>
-            <a:off x="611187" y="5086402"/>
-            <a:ext cx="7921625" cy="1015663"/>
-          </a:xfrm>
-          <a:prstGeom prst="rect">
-            <a:avLst/>
-          </a:prstGeom>
-          <a:noFill/>
-        </p:spPr>
-        <p:txBody>
-          <a:bodyPr wrap="square" rtlCol="0">
-            <a:spAutoFit/>
-          </a:bodyPr>
-          <a:lstStyle/>
-          <a:p>
-            <a:pPr indent="457200">
-              <a:lnSpc>
-                <a:spcPct val="125000"/>
-              </a:lnSpc>
-            </a:pPr>
-            <a:r>
-              <a:rPr lang="zh-CN" altLang="en-US" sz="2400" b="1" dirty="0">
-                <a:solidFill>
-                  <a:schemeClr val="accent1"/>
-                </a:solidFill>
-                <a:latin typeface="微软雅黑" panose="020B0503020204020204" pitchFamily="34" charset="-122"/>
-                <a:ea typeface="微软雅黑" panose="020B0503020204020204" pitchFamily="34" charset="-122"/>
-              </a:rPr>
-              <a:t>这里可以扯一扯你是如何憋出一个不切实际，天马行空的方案，而又如何的修改它。</a:t>
-            </a:r>
-            <a:endParaRPr lang="en-US" altLang="zh-CN" sz="2400" b="1" dirty="0">
-              <a:solidFill>
-                <a:schemeClr val="accent1"/>
-              </a:solidFill>
-              <a:latin typeface="Times New Roman" panose="02020603050405020304" pitchFamily="18" charset="0"/>
-              <a:cs typeface="Times New Roman" panose="02020603050405020304" pitchFamily="18" charset="0"/>
-            </a:endParaRPr>
-          </a:p>
-        </p:txBody>
-      </p:sp>
       <p:grpSp>
         <p:nvGrpSpPr>
           <p:cNvPr id="32" name="组合 31"/>
@@ -42902,10 +40963,10 @@
         </p:nvGrpSpPr>
         <p:grpSpPr>
           <a:xfrm>
-            <a:off x="1220659" y="6519446"/>
-            <a:ext cx="8024939" cy="338554"/>
-            <a:chOff x="1277256" y="6519446"/>
-            <a:chExt cx="8024939" cy="338554"/>
+            <a:off x="8606970" y="6519446"/>
+            <a:ext cx="638628" cy="338554"/>
+            <a:chOff x="8663567" y="6519446"/>
+            <a:chExt cx="638628" cy="338554"/>
           </a:xfrm>
         </p:grpSpPr>
         <p:sp>
@@ -42997,644 +41058,123 @@
             </a:p>
           </p:txBody>
         </p:sp>
-        <p:sp>
-          <p:nvSpPr>
-            <p:cNvPr id="36" name="文本框 35"/>
-            <p:cNvSpPr txBox="1"/>
-            <p:nvPr/>
-          </p:nvSpPr>
-          <p:spPr>
-            <a:xfrm>
-              <a:off x="1277256" y="6519446"/>
-              <a:ext cx="7489625" cy="338554"/>
-            </a:xfrm>
-            <a:prstGeom prst="rect">
-              <a:avLst/>
-            </a:prstGeom>
+      </p:grpSp>
+      <p:sp>
+        <p:nvSpPr>
+          <p:cNvPr id="30" name="矩形 29">
+            <a:extLst>
+              <a:ext uri="{FF2B5EF4-FFF2-40B4-BE49-F238E27FC236}">
+                <a16:creationId xmlns:a16="http://schemas.microsoft.com/office/drawing/2014/main" id="{21317C20-86A0-45B0-9CD1-E76F477D1EA6}"/>
+              </a:ext>
+            </a:extLst>
+          </p:cNvPr>
+          <p:cNvSpPr/>
+          <p:nvPr/>
+        </p:nvSpPr>
+        <p:spPr>
+          <a:xfrm>
+            <a:off x="1150112" y="1526958"/>
+            <a:ext cx="2232000" cy="397710"/>
+          </a:xfrm>
+          <a:prstGeom prst="rect">
+            <a:avLst/>
+          </a:prstGeom>
+          <a:solidFill>
+            <a:schemeClr val="accent1"/>
+          </a:solidFill>
+          <a:ln>
             <a:noFill/>
-          </p:spPr>
-          <p:txBody>
-            <a:bodyPr wrap="square" rtlCol="0">
-              <a:spAutoFit/>
-            </a:bodyPr>
-            <a:lstStyle/>
-            <a:p>
-              <a:pPr algn="r"/>
-              <a:r>
-                <a:rPr lang="zh-CN" altLang="en-US" sz="1600" dirty="0">
-                  <a:solidFill>
-                    <a:schemeClr val="tx1">
-                      <a:lumMod val="85000"/>
-                      <a:lumOff val="15000"/>
-                    </a:schemeClr>
-                  </a:solidFill>
-                  <a:latin typeface="微软雅黑" panose="020B0503020204020204" pitchFamily="34" charset="-122"/>
-                  <a:ea typeface="微软雅黑" panose="020B0503020204020204" pitchFamily="34" charset="-122"/>
-                </a:rPr>
-                <a:t>毕业设计第二次汇报，段公子，西北工业大学航空学院</a:t>
-              </a:r>
-            </a:p>
-          </p:txBody>
-        </p:sp>
-      </p:grpSp>
-      <p:grpSp>
-        <p:nvGrpSpPr>
-          <p:cNvPr id="54" name="组合 53"/>
-          <p:cNvGrpSpPr/>
-          <p:nvPr/>
-        </p:nvGrpSpPr>
-        <p:grpSpPr>
-          <a:xfrm>
-            <a:off x="3495760" y="1982456"/>
-            <a:ext cx="2106754" cy="2106754"/>
-            <a:chOff x="3761296" y="1104900"/>
-            <a:chExt cx="1549400" cy="1549400"/>
-          </a:xfrm>
-        </p:grpSpPr>
-        <p:sp>
-          <p:nvSpPr>
-            <p:cNvPr id="26" name="椭圆 25"/>
-            <p:cNvSpPr/>
-            <p:nvPr/>
-          </p:nvSpPr>
-          <p:spPr>
-            <a:xfrm>
-              <a:off x="3761296" y="1104900"/>
-              <a:ext cx="1549400" cy="1549400"/>
-            </a:xfrm>
-            <a:prstGeom prst="ellipse">
-              <a:avLst/>
-            </a:prstGeom>
-            <a:ln>
-              <a:noFill/>
-            </a:ln>
-          </p:spPr>
-          <p:style>
-            <a:lnRef idx="2">
-              <a:schemeClr val="accent1">
-                <a:shade val="50000"/>
-              </a:schemeClr>
-            </a:lnRef>
-            <a:fillRef idx="1">
-              <a:schemeClr val="accent1"/>
-            </a:fillRef>
-            <a:effectRef idx="0">
-              <a:schemeClr val="accent1"/>
-            </a:effectRef>
-            <a:fontRef idx="minor">
-              <a:schemeClr val="lt1"/>
-            </a:fontRef>
-          </p:style>
-          <p:txBody>
-            <a:bodyPr rtlCol="0" anchor="ctr"/>
-            <a:lstStyle/>
-            <a:p>
-              <a:pPr algn="ctr"/>
-              <a:endParaRPr lang="zh-CN" altLang="en-US"/>
-            </a:p>
-          </p:txBody>
-        </p:sp>
-        <p:sp>
-          <p:nvSpPr>
-            <p:cNvPr id="35" name="文本框 34"/>
-            <p:cNvSpPr txBox="1"/>
-            <p:nvPr/>
-          </p:nvSpPr>
-          <p:spPr>
-            <a:xfrm>
-              <a:off x="3761296" y="1528754"/>
-              <a:ext cx="1549400" cy="701692"/>
-            </a:xfrm>
-            <a:prstGeom prst="rect">
-              <a:avLst/>
-            </a:prstGeom>
-            <a:noFill/>
-          </p:spPr>
-          <p:txBody>
-            <a:bodyPr wrap="square" rtlCol="0">
-              <a:spAutoFit/>
-            </a:bodyPr>
-            <a:lstStyle/>
-            <a:p>
-              <a:pPr algn="ctr"/>
-              <a:r>
-                <a:rPr lang="zh-CN" altLang="en-US" sz="2800" b="1" dirty="0">
-                  <a:solidFill>
-                    <a:schemeClr val="bg1"/>
-                  </a:solidFill>
-                  <a:latin typeface="微软雅黑" panose="020B0503020204020204" pitchFamily="34" charset="-122"/>
-                  <a:ea typeface="微软雅黑" panose="020B0503020204020204" pitchFamily="34" charset="-122"/>
-                </a:rPr>
-                <a:t>一个</a:t>
-              </a:r>
-              <a:endParaRPr lang="en-US" altLang="zh-CN" sz="2800" b="1" dirty="0">
-                <a:solidFill>
-                  <a:schemeClr val="bg1"/>
-                </a:solidFill>
+          </a:ln>
+        </p:spPr>
+        <p:style>
+          <a:lnRef idx="2">
+            <a:schemeClr val="accent1">
+              <a:shade val="50000"/>
+            </a:schemeClr>
+          </a:lnRef>
+          <a:fillRef idx="1">
+            <a:schemeClr val="accent1"/>
+          </a:fillRef>
+          <a:effectRef idx="0">
+            <a:schemeClr val="accent1"/>
+          </a:effectRef>
+          <a:fontRef idx="minor">
+            <a:schemeClr val="lt1"/>
+          </a:fontRef>
+        </p:style>
+        <p:txBody>
+          <a:bodyPr rtlCol="0" anchor="ctr"/>
+          <a:lstStyle/>
+          <a:p>
+            <a:pPr algn="ctr"/>
+            <a:r>
+              <a:rPr lang="zh-CN" altLang="en-US" b="1" dirty="0">
                 <a:latin typeface="微软雅黑" panose="020B0503020204020204" pitchFamily="34" charset="-122"/>
                 <a:ea typeface="微软雅黑" panose="020B0503020204020204" pitchFamily="34" charset="-122"/>
-              </a:endParaRPr>
-            </a:p>
-            <a:p>
-              <a:pPr algn="ctr"/>
-              <a:r>
-                <a:rPr lang="zh-CN" altLang="en-US" sz="2800" b="1" dirty="0">
-                  <a:solidFill>
-                    <a:schemeClr val="bg1"/>
-                  </a:solidFill>
-                  <a:latin typeface="微软雅黑" panose="020B0503020204020204" pitchFamily="34" charset="-122"/>
-                  <a:ea typeface="微软雅黑" panose="020B0503020204020204" pitchFamily="34" charset="-122"/>
-                </a:rPr>
-                <a:t>中心思想</a:t>
-              </a:r>
-            </a:p>
-          </p:txBody>
-        </p:sp>
-      </p:grpSp>
-      <p:grpSp>
-        <p:nvGrpSpPr>
-          <p:cNvPr id="52" name="组合 51"/>
-          <p:cNvGrpSpPr/>
-          <p:nvPr/>
-        </p:nvGrpSpPr>
-        <p:grpSpPr>
-          <a:xfrm>
-            <a:off x="6370612" y="824337"/>
-            <a:ext cx="1655788" cy="1108426"/>
-            <a:chOff x="6352096" y="849600"/>
-            <a:chExt cx="1549400" cy="1037208"/>
-          </a:xfrm>
-        </p:grpSpPr>
-        <p:sp>
-          <p:nvSpPr>
-            <p:cNvPr id="40" name="椭圆 39"/>
-            <p:cNvSpPr/>
-            <p:nvPr/>
-          </p:nvSpPr>
-          <p:spPr>
-            <a:xfrm>
-              <a:off x="6608192" y="849600"/>
-              <a:ext cx="1037208" cy="1037208"/>
-            </a:xfrm>
-            <a:prstGeom prst="ellipse">
-              <a:avLst/>
-            </a:prstGeom>
-            <a:ln>
-              <a:noFill/>
-            </a:ln>
-          </p:spPr>
-          <p:style>
-            <a:lnRef idx="2">
-              <a:schemeClr val="accent1">
-                <a:shade val="50000"/>
-              </a:schemeClr>
-            </a:lnRef>
-            <a:fillRef idx="1">
-              <a:schemeClr val="accent1"/>
-            </a:fillRef>
-            <a:effectRef idx="0">
-              <a:schemeClr val="accent1"/>
-            </a:effectRef>
-            <a:fontRef idx="minor">
-              <a:schemeClr val="lt1"/>
-            </a:fontRef>
-          </p:style>
-          <p:txBody>
-            <a:bodyPr rtlCol="0" anchor="ctr"/>
-            <a:lstStyle/>
-            <a:p>
-              <a:pPr algn="ctr"/>
-              <a:endParaRPr lang="zh-CN" altLang="en-US"/>
-            </a:p>
-          </p:txBody>
-        </p:sp>
-        <p:sp>
-          <p:nvSpPr>
-            <p:cNvPr id="41" name="文本框 40"/>
-            <p:cNvSpPr txBox="1"/>
-            <p:nvPr/>
-          </p:nvSpPr>
-          <p:spPr>
-            <a:xfrm>
-              <a:off x="6352096" y="1094603"/>
-              <a:ext cx="1549400" cy="547202"/>
-            </a:xfrm>
-            <a:prstGeom prst="rect">
-              <a:avLst/>
-            </a:prstGeom>
-            <a:noFill/>
-          </p:spPr>
-          <p:txBody>
-            <a:bodyPr wrap="square" rtlCol="0">
-              <a:spAutoFit/>
-            </a:bodyPr>
-            <a:lstStyle/>
-            <a:p>
-              <a:pPr algn="ctr"/>
-              <a:r>
-                <a:rPr lang="zh-CN" altLang="en-US" sz="1600" b="1" dirty="0">
-                  <a:solidFill>
-                    <a:schemeClr val="bg1"/>
-                  </a:solidFill>
-                  <a:latin typeface="微软雅黑" panose="020B0503020204020204" pitchFamily="34" charset="-122"/>
-                  <a:ea typeface="微软雅黑" panose="020B0503020204020204" pitchFamily="34" charset="-122"/>
-                </a:rPr>
-                <a:t>四个</a:t>
-              </a:r>
-              <a:endParaRPr lang="en-US" altLang="zh-CN" sz="1600" b="1" dirty="0">
-                <a:solidFill>
-                  <a:schemeClr val="bg1"/>
-                </a:solidFill>
+              </a:rPr>
+              <a:t>数值</a:t>
+            </a:r>
+            <a:r>
+              <a:rPr lang="en-US" altLang="zh-CN" b="1" dirty="0">
                 <a:latin typeface="微软雅黑" panose="020B0503020204020204" pitchFamily="34" charset="-122"/>
                 <a:ea typeface="微软雅黑" panose="020B0503020204020204" pitchFamily="34" charset="-122"/>
-              </a:endParaRPr>
-            </a:p>
-            <a:p>
-              <a:pPr algn="ctr"/>
-              <a:r>
-                <a:rPr lang="zh-CN" altLang="en-US" sz="1600" b="1" dirty="0">
-                  <a:solidFill>
-                    <a:schemeClr val="bg1"/>
-                  </a:solidFill>
-                  <a:latin typeface="微软雅黑" panose="020B0503020204020204" pitchFamily="34" charset="-122"/>
-                  <a:ea typeface="微软雅黑" panose="020B0503020204020204" pitchFamily="34" charset="-122"/>
-                </a:rPr>
-                <a:t>重要思想</a:t>
-              </a:r>
-              <a:endParaRPr lang="en-US" altLang="zh-CN" sz="1600" b="1" dirty="0">
-                <a:solidFill>
-                  <a:schemeClr val="bg1"/>
-                </a:solidFill>
+              </a:rPr>
+              <a:t>/</a:t>
+            </a:r>
+            <a:r>
+              <a:rPr lang="zh-CN" altLang="en-US" b="1" dirty="0">
                 <a:latin typeface="微软雅黑" panose="020B0503020204020204" pitchFamily="34" charset="-122"/>
                 <a:ea typeface="微软雅黑" panose="020B0503020204020204" pitchFamily="34" charset="-122"/>
-              </a:endParaRPr>
-            </a:p>
-          </p:txBody>
-        </p:sp>
-      </p:grpSp>
-      <p:grpSp>
-        <p:nvGrpSpPr>
-          <p:cNvPr id="55" name="组合 54"/>
-          <p:cNvGrpSpPr/>
+              </a:rPr>
+              <a:t>单位</a:t>
+            </a:r>
+          </a:p>
+        </p:txBody>
+      </p:sp>
+      <p:cxnSp>
+        <p:nvCxnSpPr>
+          <p:cNvPr id="31" name="直接箭头连接符 30">
+            <a:extLst>
+              <a:ext uri="{FF2B5EF4-FFF2-40B4-BE49-F238E27FC236}">
+                <a16:creationId xmlns:a16="http://schemas.microsoft.com/office/drawing/2014/main" id="{093717C1-42F6-43F1-A6A2-0ED05D3A3CE3}"/>
+              </a:ext>
+            </a:extLst>
+          </p:cNvPr>
+          <p:cNvCxnSpPr>
+            <a:stCxn id="30" idx="3"/>
+          </p:cNvCxnSpPr>
           <p:nvPr/>
-        </p:nvGrpSpPr>
-        <p:grpSpPr>
+        </p:nvCxnSpPr>
+        <p:spPr>
           <a:xfrm>
-            <a:off x="675828" y="1436490"/>
-            <a:ext cx="2176144" cy="1456766"/>
-            <a:chOff x="1277256" y="1121088"/>
-            <a:chExt cx="1549400" cy="1037208"/>
+            <a:off x="3382112" y="1725813"/>
+            <a:ext cx="973592" cy="0"/>
           </a:xfrm>
-        </p:grpSpPr>
-        <p:sp>
-          <p:nvSpPr>
-            <p:cNvPr id="43" name="椭圆 42"/>
-            <p:cNvSpPr/>
-            <p:nvPr/>
-          </p:nvSpPr>
-          <p:spPr>
-            <a:xfrm>
-              <a:off x="1533352" y="1121088"/>
-              <a:ext cx="1037208" cy="1037208"/>
-            </a:xfrm>
-            <a:prstGeom prst="ellipse">
-              <a:avLst/>
-            </a:prstGeom>
-            <a:ln>
-              <a:noFill/>
-            </a:ln>
-          </p:spPr>
-          <p:style>
-            <a:lnRef idx="2">
-              <a:schemeClr val="accent1">
-                <a:shade val="50000"/>
-              </a:schemeClr>
-            </a:lnRef>
-            <a:fillRef idx="1">
+          <a:prstGeom prst="straightConnector1">
+            <a:avLst/>
+          </a:prstGeom>
+          <a:ln w="63500">
+            <a:solidFill>
               <a:schemeClr val="accent1"/>
-            </a:fillRef>
-            <a:effectRef idx="0">
-              <a:schemeClr val="accent1"/>
-            </a:effectRef>
-            <a:fontRef idx="minor">
-              <a:schemeClr val="lt1"/>
-            </a:fontRef>
-          </p:style>
-          <p:txBody>
-            <a:bodyPr rtlCol="0" anchor="ctr"/>
-            <a:lstStyle/>
-            <a:p>
-              <a:pPr algn="ctr"/>
-              <a:endParaRPr lang="zh-CN" altLang="en-US"/>
-            </a:p>
-          </p:txBody>
-        </p:sp>
-        <p:sp>
-          <p:nvSpPr>
-            <p:cNvPr id="44" name="文本框 43"/>
-            <p:cNvSpPr txBox="1"/>
-            <p:nvPr/>
-          </p:nvSpPr>
-          <p:spPr>
-            <a:xfrm>
-              <a:off x="1277256" y="1387687"/>
-              <a:ext cx="1549400" cy="504010"/>
-            </a:xfrm>
-            <a:prstGeom prst="rect">
-              <a:avLst/>
-            </a:prstGeom>
-            <a:noFill/>
-          </p:spPr>
-          <p:txBody>
-            <a:bodyPr wrap="square" rtlCol="0">
-              <a:spAutoFit/>
-            </a:bodyPr>
-            <a:lstStyle/>
-            <a:p>
-              <a:pPr algn="ctr"/>
-              <a:r>
-                <a:rPr lang="zh-CN" altLang="en-US" sz="2000" b="1" dirty="0">
-                  <a:solidFill>
-                    <a:schemeClr val="bg1"/>
-                  </a:solidFill>
-                  <a:latin typeface="微软雅黑" panose="020B0503020204020204" pitchFamily="34" charset="-122"/>
-                  <a:ea typeface="微软雅黑" panose="020B0503020204020204" pitchFamily="34" charset="-122"/>
-                </a:rPr>
-                <a:t>四个</a:t>
-              </a:r>
-              <a:endParaRPr lang="en-US" altLang="zh-CN" sz="2000" b="1" dirty="0">
-                <a:solidFill>
-                  <a:schemeClr val="bg1"/>
-                </a:solidFill>
-                <a:latin typeface="微软雅黑" panose="020B0503020204020204" pitchFamily="34" charset="-122"/>
-                <a:ea typeface="微软雅黑" panose="020B0503020204020204" pitchFamily="34" charset="-122"/>
-              </a:endParaRPr>
-            </a:p>
-            <a:p>
-              <a:pPr algn="ctr"/>
-              <a:r>
-                <a:rPr lang="zh-CN" altLang="en-US" sz="2000" b="1" dirty="0">
-                  <a:solidFill>
-                    <a:schemeClr val="bg1"/>
-                  </a:solidFill>
-                  <a:latin typeface="微软雅黑" panose="020B0503020204020204" pitchFamily="34" charset="-122"/>
-                  <a:ea typeface="微软雅黑" panose="020B0503020204020204" pitchFamily="34" charset="-122"/>
-                </a:rPr>
-                <a:t>重要思想</a:t>
-              </a:r>
-              <a:endParaRPr lang="en-US" altLang="zh-CN" sz="2000" b="1" dirty="0">
-                <a:solidFill>
-                  <a:schemeClr val="bg1"/>
-                </a:solidFill>
-                <a:latin typeface="微软雅黑" panose="020B0503020204020204" pitchFamily="34" charset="-122"/>
-                <a:ea typeface="微软雅黑" panose="020B0503020204020204" pitchFamily="34" charset="-122"/>
-              </a:endParaRPr>
-            </a:p>
-          </p:txBody>
-        </p:sp>
-      </p:grpSp>
-      <p:grpSp>
-        <p:nvGrpSpPr>
-          <p:cNvPr id="53" name="组合 52"/>
-          <p:cNvGrpSpPr/>
-          <p:nvPr/>
-        </p:nvGrpSpPr>
-        <p:grpSpPr>
-          <a:xfrm>
-            <a:off x="6815981" y="3024737"/>
-            <a:ext cx="1991634" cy="1333251"/>
-            <a:chOff x="7645400" y="1877556"/>
-            <a:chExt cx="1549400" cy="1037208"/>
-          </a:xfrm>
-        </p:grpSpPr>
-        <p:sp>
-          <p:nvSpPr>
-            <p:cNvPr id="46" name="椭圆 45"/>
-            <p:cNvSpPr/>
-            <p:nvPr/>
-          </p:nvSpPr>
-          <p:spPr>
-            <a:xfrm>
-              <a:off x="7901496" y="1877556"/>
-              <a:ext cx="1037208" cy="1037208"/>
-            </a:xfrm>
-            <a:prstGeom prst="ellipse">
-              <a:avLst/>
-            </a:prstGeom>
-            <a:ln>
-              <a:noFill/>
-            </a:ln>
-          </p:spPr>
-          <p:style>
-            <a:lnRef idx="2">
-              <a:schemeClr val="accent1">
-                <a:shade val="50000"/>
-              </a:schemeClr>
-            </a:lnRef>
-            <a:fillRef idx="1">
-              <a:schemeClr val="accent1"/>
-            </a:fillRef>
-            <a:effectRef idx="0">
-              <a:schemeClr val="accent1"/>
-            </a:effectRef>
-            <a:fontRef idx="minor">
-              <a:schemeClr val="lt1"/>
-            </a:fontRef>
-          </p:style>
-          <p:txBody>
-            <a:bodyPr rtlCol="0" anchor="ctr"/>
-            <a:lstStyle/>
-            <a:p>
-              <a:pPr algn="ctr"/>
-              <a:endParaRPr lang="zh-CN" altLang="en-US"/>
-            </a:p>
-          </p:txBody>
-        </p:sp>
-        <p:sp>
-          <p:nvSpPr>
-            <p:cNvPr id="47" name="文本框 46"/>
-            <p:cNvSpPr txBox="1"/>
-            <p:nvPr/>
-          </p:nvSpPr>
-          <p:spPr>
-            <a:xfrm>
-              <a:off x="7645400" y="2144752"/>
-              <a:ext cx="1549400" cy="502816"/>
-            </a:xfrm>
-            <a:prstGeom prst="rect">
-              <a:avLst/>
-            </a:prstGeom>
-            <a:noFill/>
-          </p:spPr>
-          <p:txBody>
-            <a:bodyPr wrap="square" rtlCol="0">
-              <a:spAutoFit/>
-            </a:bodyPr>
-            <a:lstStyle/>
-            <a:p>
-              <a:pPr algn="ctr"/>
-              <a:r>
-                <a:rPr lang="zh-CN" altLang="en-US" b="1" dirty="0">
-                  <a:solidFill>
-                    <a:schemeClr val="bg1"/>
-                  </a:solidFill>
-                  <a:latin typeface="微软雅黑" panose="020B0503020204020204" pitchFamily="34" charset="-122"/>
-                  <a:ea typeface="微软雅黑" panose="020B0503020204020204" pitchFamily="34" charset="-122"/>
-                </a:rPr>
-                <a:t>四个</a:t>
-              </a:r>
-              <a:endParaRPr lang="en-US" altLang="zh-CN" b="1" dirty="0">
-                <a:solidFill>
-                  <a:schemeClr val="bg1"/>
-                </a:solidFill>
-                <a:latin typeface="微软雅黑" panose="020B0503020204020204" pitchFamily="34" charset="-122"/>
-                <a:ea typeface="微软雅黑" panose="020B0503020204020204" pitchFamily="34" charset="-122"/>
-              </a:endParaRPr>
-            </a:p>
-            <a:p>
-              <a:pPr algn="ctr"/>
-              <a:r>
-                <a:rPr lang="zh-CN" altLang="en-US" b="1" dirty="0">
-                  <a:solidFill>
-                    <a:schemeClr val="bg1"/>
-                  </a:solidFill>
-                  <a:latin typeface="微软雅黑" panose="020B0503020204020204" pitchFamily="34" charset="-122"/>
-                  <a:ea typeface="微软雅黑" panose="020B0503020204020204" pitchFamily="34" charset="-122"/>
-                </a:rPr>
-                <a:t>重要思想</a:t>
-              </a:r>
-              <a:endParaRPr lang="en-US" altLang="zh-CN" b="1" dirty="0">
-                <a:solidFill>
-                  <a:schemeClr val="bg1"/>
-                </a:solidFill>
-                <a:latin typeface="微软雅黑" panose="020B0503020204020204" pitchFamily="34" charset="-122"/>
-                <a:ea typeface="微软雅黑" panose="020B0503020204020204" pitchFamily="34" charset="-122"/>
-              </a:endParaRPr>
-            </a:p>
-          </p:txBody>
-        </p:sp>
-      </p:grpSp>
-      <p:grpSp>
-        <p:nvGrpSpPr>
-          <p:cNvPr id="51" name="组合 50"/>
-          <p:cNvGrpSpPr/>
-          <p:nvPr/>
-        </p:nvGrpSpPr>
-        <p:grpSpPr>
-          <a:xfrm>
-            <a:off x="1629627" y="3358925"/>
-            <a:ext cx="2046558" cy="1370018"/>
-            <a:chOff x="5056696" y="2183559"/>
-            <a:chExt cx="1549400" cy="1037208"/>
-          </a:xfrm>
-        </p:grpSpPr>
-        <p:sp>
-          <p:nvSpPr>
-            <p:cNvPr id="49" name="椭圆 48"/>
-            <p:cNvSpPr/>
-            <p:nvPr/>
-          </p:nvSpPr>
-          <p:spPr>
-            <a:xfrm>
-              <a:off x="5312792" y="2183559"/>
-              <a:ext cx="1037208" cy="1037208"/>
-            </a:xfrm>
-            <a:prstGeom prst="ellipse">
-              <a:avLst/>
-            </a:prstGeom>
-            <a:ln>
-              <a:noFill/>
-            </a:ln>
-          </p:spPr>
-          <p:style>
-            <a:lnRef idx="2">
-              <a:schemeClr val="accent1">
-                <a:shade val="50000"/>
-              </a:schemeClr>
-            </a:lnRef>
-            <a:fillRef idx="1">
-              <a:schemeClr val="accent1"/>
-            </a:fillRef>
-            <a:effectRef idx="0">
-              <a:schemeClr val="accent1"/>
-            </a:effectRef>
-            <a:fontRef idx="minor">
-              <a:schemeClr val="lt1"/>
-            </a:fontRef>
-          </p:style>
-          <p:txBody>
-            <a:bodyPr rtlCol="0" anchor="ctr"/>
-            <a:lstStyle/>
-            <a:p>
-              <a:pPr algn="ctr"/>
-              <a:endParaRPr lang="zh-CN" altLang="en-US"/>
-            </a:p>
-          </p:txBody>
-        </p:sp>
-        <p:sp>
-          <p:nvSpPr>
-            <p:cNvPr id="50" name="文本框 49"/>
-            <p:cNvSpPr txBox="1"/>
-            <p:nvPr/>
-          </p:nvSpPr>
-          <p:spPr>
-            <a:xfrm>
-              <a:off x="5056696" y="2457502"/>
-              <a:ext cx="1549400" cy="489322"/>
-            </a:xfrm>
-            <a:prstGeom prst="rect">
-              <a:avLst/>
-            </a:prstGeom>
-            <a:noFill/>
-          </p:spPr>
-          <p:txBody>
-            <a:bodyPr wrap="square" rtlCol="0">
-              <a:spAutoFit/>
-            </a:bodyPr>
-            <a:lstStyle/>
-            <a:p>
-              <a:pPr algn="ctr"/>
-              <a:r>
-                <a:rPr lang="zh-CN" altLang="en-US" b="1" dirty="0">
-                  <a:solidFill>
-                    <a:schemeClr val="bg1"/>
-                  </a:solidFill>
-                  <a:latin typeface="微软雅黑" panose="020B0503020204020204" pitchFamily="34" charset="-122"/>
-                  <a:ea typeface="微软雅黑" panose="020B0503020204020204" pitchFamily="34" charset="-122"/>
-                </a:rPr>
-                <a:t>四个</a:t>
-              </a:r>
-              <a:endParaRPr lang="en-US" altLang="zh-CN" b="1" dirty="0">
-                <a:solidFill>
-                  <a:schemeClr val="bg1"/>
-                </a:solidFill>
-                <a:latin typeface="微软雅黑" panose="020B0503020204020204" pitchFamily="34" charset="-122"/>
-                <a:ea typeface="微软雅黑" panose="020B0503020204020204" pitchFamily="34" charset="-122"/>
-              </a:endParaRPr>
-            </a:p>
-            <a:p>
-              <a:pPr algn="ctr"/>
-              <a:r>
-                <a:rPr lang="zh-CN" altLang="en-US" b="1" dirty="0">
-                  <a:solidFill>
-                    <a:schemeClr val="bg1"/>
-                  </a:solidFill>
-                  <a:latin typeface="微软雅黑" panose="020B0503020204020204" pitchFamily="34" charset="-122"/>
-                  <a:ea typeface="微软雅黑" panose="020B0503020204020204" pitchFamily="34" charset="-122"/>
-                </a:rPr>
-                <a:t>重要思想</a:t>
-              </a:r>
-              <a:endParaRPr lang="en-US" altLang="zh-CN" b="1" dirty="0">
-                <a:solidFill>
-                  <a:schemeClr val="bg1"/>
-                </a:solidFill>
-                <a:latin typeface="微软雅黑" panose="020B0503020204020204" pitchFamily="34" charset="-122"/>
-                <a:ea typeface="微软雅黑" panose="020B0503020204020204" pitchFamily="34" charset="-122"/>
-              </a:endParaRPr>
-            </a:p>
-          </p:txBody>
-        </p:sp>
-      </p:grpSp>
+            </a:solidFill>
+            <a:tailEnd type="triangle"/>
+          </a:ln>
+        </p:spPr>
+        <p:style>
+          <a:lnRef idx="1">
+            <a:schemeClr val="accent1"/>
+          </a:lnRef>
+          <a:fillRef idx="0">
+            <a:schemeClr val="accent1"/>
+          </a:fillRef>
+          <a:effectRef idx="0">
+            <a:schemeClr val="accent1"/>
+          </a:effectRef>
+          <a:fontRef idx="minor">
+            <a:schemeClr val="tx1"/>
+          </a:fontRef>
+        </p:style>
+      </p:cxnSp>
     </p:spTree>
     <p:extLst>
       <p:ext uri="{BB962C8B-B14F-4D97-AF65-F5344CB8AC3E}">
@@ -43819,784 +41359,6 @@
                                   </p:childTnLst>
                                 </p:cTn>
                               </p:par>
-                              <p:par>
-                                <p:cTn id="16" presetID="53" presetClass="entr" presetSubtype="16" fill="hold" nodeType="withEffect">
-                                  <p:stCondLst>
-                                    <p:cond delay="250"/>
-                                  </p:stCondLst>
-                                  <p:childTnLst>
-                                    <p:set>
-                                      <p:cBhvr>
-                                        <p:cTn id="17" dur="1" fill="hold">
-                                          <p:stCondLst>
-                                            <p:cond delay="0"/>
-                                          </p:stCondLst>
-                                        </p:cTn>
-                                        <p:tgtEl>
-                                          <p:spTgt spid="54"/>
-                                        </p:tgtEl>
-                                        <p:attrNameLst>
-                                          <p:attrName>style.visibility</p:attrName>
-                                        </p:attrNameLst>
-                                      </p:cBhvr>
-                                      <p:to>
-                                        <p:strVal val="visible"/>
-                                      </p:to>
-                                    </p:set>
-                                    <p:anim calcmode="lin" valueType="num">
-                                      <p:cBhvr>
-                                        <p:cTn id="18" dur="500" fill="hold"/>
-                                        <p:tgtEl>
-                                          <p:spTgt spid="54"/>
-                                        </p:tgtEl>
-                                        <p:attrNameLst>
-                                          <p:attrName>ppt_w</p:attrName>
-                                        </p:attrNameLst>
-                                      </p:cBhvr>
-                                      <p:tavLst>
-                                        <p:tav tm="0">
-                                          <p:val>
-                                            <p:fltVal val="0"/>
-                                          </p:val>
-                                        </p:tav>
-                                        <p:tav tm="100000">
-                                          <p:val>
-                                            <p:strVal val="#ppt_w"/>
-                                          </p:val>
-                                        </p:tav>
-                                      </p:tavLst>
-                                    </p:anim>
-                                    <p:anim calcmode="lin" valueType="num">
-                                      <p:cBhvr>
-                                        <p:cTn id="19" dur="500" fill="hold"/>
-                                        <p:tgtEl>
-                                          <p:spTgt spid="54"/>
-                                        </p:tgtEl>
-                                        <p:attrNameLst>
-                                          <p:attrName>ppt_h</p:attrName>
-                                        </p:attrNameLst>
-                                      </p:cBhvr>
-                                      <p:tavLst>
-                                        <p:tav tm="0">
-                                          <p:val>
-                                            <p:fltVal val="0"/>
-                                          </p:val>
-                                        </p:tav>
-                                        <p:tav tm="100000">
-                                          <p:val>
-                                            <p:strVal val="#ppt_h"/>
-                                          </p:val>
-                                        </p:tav>
-                                      </p:tavLst>
-                                    </p:anim>
-                                    <p:animEffect transition="in" filter="fade">
-                                      <p:cBhvr>
-                                        <p:cTn id="20" dur="500"/>
-                                        <p:tgtEl>
-                                          <p:spTgt spid="54"/>
-                                        </p:tgtEl>
-                                      </p:cBhvr>
-                                    </p:animEffect>
-                                  </p:childTnLst>
-                                </p:cTn>
-                              </p:par>
-                              <p:par>
-                                <p:cTn id="21" presetID="53" presetClass="entr" presetSubtype="16" fill="hold" nodeType="withEffect">
-                                  <p:stCondLst>
-                                    <p:cond delay="250"/>
-                                  </p:stCondLst>
-                                  <p:childTnLst>
-                                    <p:set>
-                                      <p:cBhvr>
-                                        <p:cTn id="22" dur="1" fill="hold">
-                                          <p:stCondLst>
-                                            <p:cond delay="0"/>
-                                          </p:stCondLst>
-                                        </p:cTn>
-                                        <p:tgtEl>
-                                          <p:spTgt spid="52"/>
-                                        </p:tgtEl>
-                                        <p:attrNameLst>
-                                          <p:attrName>style.visibility</p:attrName>
-                                        </p:attrNameLst>
-                                      </p:cBhvr>
-                                      <p:to>
-                                        <p:strVal val="visible"/>
-                                      </p:to>
-                                    </p:set>
-                                    <p:anim calcmode="lin" valueType="num">
-                                      <p:cBhvr>
-                                        <p:cTn id="23" dur="500" fill="hold"/>
-                                        <p:tgtEl>
-                                          <p:spTgt spid="52"/>
-                                        </p:tgtEl>
-                                        <p:attrNameLst>
-                                          <p:attrName>ppt_w</p:attrName>
-                                        </p:attrNameLst>
-                                      </p:cBhvr>
-                                      <p:tavLst>
-                                        <p:tav tm="0">
-                                          <p:val>
-                                            <p:fltVal val="0"/>
-                                          </p:val>
-                                        </p:tav>
-                                        <p:tav tm="100000">
-                                          <p:val>
-                                            <p:strVal val="#ppt_w"/>
-                                          </p:val>
-                                        </p:tav>
-                                      </p:tavLst>
-                                    </p:anim>
-                                    <p:anim calcmode="lin" valueType="num">
-                                      <p:cBhvr>
-                                        <p:cTn id="24" dur="500" fill="hold"/>
-                                        <p:tgtEl>
-                                          <p:spTgt spid="52"/>
-                                        </p:tgtEl>
-                                        <p:attrNameLst>
-                                          <p:attrName>ppt_h</p:attrName>
-                                        </p:attrNameLst>
-                                      </p:cBhvr>
-                                      <p:tavLst>
-                                        <p:tav tm="0">
-                                          <p:val>
-                                            <p:fltVal val="0"/>
-                                          </p:val>
-                                        </p:tav>
-                                        <p:tav tm="100000">
-                                          <p:val>
-                                            <p:strVal val="#ppt_h"/>
-                                          </p:val>
-                                        </p:tav>
-                                      </p:tavLst>
-                                    </p:anim>
-                                    <p:animEffect transition="in" filter="fade">
-                                      <p:cBhvr>
-                                        <p:cTn id="25" dur="500"/>
-                                        <p:tgtEl>
-                                          <p:spTgt spid="52"/>
-                                        </p:tgtEl>
-                                      </p:cBhvr>
-                                    </p:animEffect>
-                                  </p:childTnLst>
-                                </p:cTn>
-                              </p:par>
-                              <p:par>
-                                <p:cTn id="26" presetID="53" presetClass="entr" presetSubtype="16" fill="hold" nodeType="withEffect">
-                                  <p:stCondLst>
-                                    <p:cond delay="250"/>
-                                  </p:stCondLst>
-                                  <p:childTnLst>
-                                    <p:set>
-                                      <p:cBhvr>
-                                        <p:cTn id="27" dur="1" fill="hold">
-                                          <p:stCondLst>
-                                            <p:cond delay="0"/>
-                                          </p:stCondLst>
-                                        </p:cTn>
-                                        <p:tgtEl>
-                                          <p:spTgt spid="55"/>
-                                        </p:tgtEl>
-                                        <p:attrNameLst>
-                                          <p:attrName>style.visibility</p:attrName>
-                                        </p:attrNameLst>
-                                      </p:cBhvr>
-                                      <p:to>
-                                        <p:strVal val="visible"/>
-                                      </p:to>
-                                    </p:set>
-                                    <p:anim calcmode="lin" valueType="num">
-                                      <p:cBhvr>
-                                        <p:cTn id="28" dur="500" fill="hold"/>
-                                        <p:tgtEl>
-                                          <p:spTgt spid="55"/>
-                                        </p:tgtEl>
-                                        <p:attrNameLst>
-                                          <p:attrName>ppt_w</p:attrName>
-                                        </p:attrNameLst>
-                                      </p:cBhvr>
-                                      <p:tavLst>
-                                        <p:tav tm="0">
-                                          <p:val>
-                                            <p:fltVal val="0"/>
-                                          </p:val>
-                                        </p:tav>
-                                        <p:tav tm="100000">
-                                          <p:val>
-                                            <p:strVal val="#ppt_w"/>
-                                          </p:val>
-                                        </p:tav>
-                                      </p:tavLst>
-                                    </p:anim>
-                                    <p:anim calcmode="lin" valueType="num">
-                                      <p:cBhvr>
-                                        <p:cTn id="29" dur="500" fill="hold"/>
-                                        <p:tgtEl>
-                                          <p:spTgt spid="55"/>
-                                        </p:tgtEl>
-                                        <p:attrNameLst>
-                                          <p:attrName>ppt_h</p:attrName>
-                                        </p:attrNameLst>
-                                      </p:cBhvr>
-                                      <p:tavLst>
-                                        <p:tav tm="0">
-                                          <p:val>
-                                            <p:fltVal val="0"/>
-                                          </p:val>
-                                        </p:tav>
-                                        <p:tav tm="100000">
-                                          <p:val>
-                                            <p:strVal val="#ppt_h"/>
-                                          </p:val>
-                                        </p:tav>
-                                      </p:tavLst>
-                                    </p:anim>
-                                    <p:animEffect transition="in" filter="fade">
-                                      <p:cBhvr>
-                                        <p:cTn id="30" dur="500"/>
-                                        <p:tgtEl>
-                                          <p:spTgt spid="55"/>
-                                        </p:tgtEl>
-                                      </p:cBhvr>
-                                    </p:animEffect>
-                                  </p:childTnLst>
-                                </p:cTn>
-                              </p:par>
-                              <p:par>
-                                <p:cTn id="31" presetID="53" presetClass="entr" presetSubtype="16" fill="hold" nodeType="withEffect">
-                                  <p:stCondLst>
-                                    <p:cond delay="250"/>
-                                  </p:stCondLst>
-                                  <p:childTnLst>
-                                    <p:set>
-                                      <p:cBhvr>
-                                        <p:cTn id="32" dur="1" fill="hold">
-                                          <p:stCondLst>
-                                            <p:cond delay="0"/>
-                                          </p:stCondLst>
-                                        </p:cTn>
-                                        <p:tgtEl>
-                                          <p:spTgt spid="51"/>
-                                        </p:tgtEl>
-                                        <p:attrNameLst>
-                                          <p:attrName>style.visibility</p:attrName>
-                                        </p:attrNameLst>
-                                      </p:cBhvr>
-                                      <p:to>
-                                        <p:strVal val="visible"/>
-                                      </p:to>
-                                    </p:set>
-                                    <p:anim calcmode="lin" valueType="num">
-                                      <p:cBhvr>
-                                        <p:cTn id="33" dur="500" fill="hold"/>
-                                        <p:tgtEl>
-                                          <p:spTgt spid="51"/>
-                                        </p:tgtEl>
-                                        <p:attrNameLst>
-                                          <p:attrName>ppt_w</p:attrName>
-                                        </p:attrNameLst>
-                                      </p:cBhvr>
-                                      <p:tavLst>
-                                        <p:tav tm="0">
-                                          <p:val>
-                                            <p:fltVal val="0"/>
-                                          </p:val>
-                                        </p:tav>
-                                        <p:tav tm="100000">
-                                          <p:val>
-                                            <p:strVal val="#ppt_w"/>
-                                          </p:val>
-                                        </p:tav>
-                                      </p:tavLst>
-                                    </p:anim>
-                                    <p:anim calcmode="lin" valueType="num">
-                                      <p:cBhvr>
-                                        <p:cTn id="34" dur="500" fill="hold"/>
-                                        <p:tgtEl>
-                                          <p:spTgt spid="51"/>
-                                        </p:tgtEl>
-                                        <p:attrNameLst>
-                                          <p:attrName>ppt_h</p:attrName>
-                                        </p:attrNameLst>
-                                      </p:cBhvr>
-                                      <p:tavLst>
-                                        <p:tav tm="0">
-                                          <p:val>
-                                            <p:fltVal val="0"/>
-                                          </p:val>
-                                        </p:tav>
-                                        <p:tav tm="100000">
-                                          <p:val>
-                                            <p:strVal val="#ppt_h"/>
-                                          </p:val>
-                                        </p:tav>
-                                      </p:tavLst>
-                                    </p:anim>
-                                    <p:animEffect transition="in" filter="fade">
-                                      <p:cBhvr>
-                                        <p:cTn id="35" dur="500"/>
-                                        <p:tgtEl>
-                                          <p:spTgt spid="51"/>
-                                        </p:tgtEl>
-                                      </p:cBhvr>
-                                    </p:animEffect>
-                                  </p:childTnLst>
-                                </p:cTn>
-                              </p:par>
-                              <p:par>
-                                <p:cTn id="36" presetID="53" presetClass="entr" presetSubtype="16" fill="hold" nodeType="withEffect">
-                                  <p:stCondLst>
-                                    <p:cond delay="250"/>
-                                  </p:stCondLst>
-                                  <p:childTnLst>
-                                    <p:set>
-                                      <p:cBhvr>
-                                        <p:cTn id="37" dur="1" fill="hold">
-                                          <p:stCondLst>
-                                            <p:cond delay="0"/>
-                                          </p:stCondLst>
-                                        </p:cTn>
-                                        <p:tgtEl>
-                                          <p:spTgt spid="53"/>
-                                        </p:tgtEl>
-                                        <p:attrNameLst>
-                                          <p:attrName>style.visibility</p:attrName>
-                                        </p:attrNameLst>
-                                      </p:cBhvr>
-                                      <p:to>
-                                        <p:strVal val="visible"/>
-                                      </p:to>
-                                    </p:set>
-                                    <p:anim calcmode="lin" valueType="num">
-                                      <p:cBhvr>
-                                        <p:cTn id="38" dur="500" fill="hold"/>
-                                        <p:tgtEl>
-                                          <p:spTgt spid="53"/>
-                                        </p:tgtEl>
-                                        <p:attrNameLst>
-                                          <p:attrName>ppt_w</p:attrName>
-                                        </p:attrNameLst>
-                                      </p:cBhvr>
-                                      <p:tavLst>
-                                        <p:tav tm="0">
-                                          <p:val>
-                                            <p:fltVal val="0"/>
-                                          </p:val>
-                                        </p:tav>
-                                        <p:tav tm="100000">
-                                          <p:val>
-                                            <p:strVal val="#ppt_w"/>
-                                          </p:val>
-                                        </p:tav>
-                                      </p:tavLst>
-                                    </p:anim>
-                                    <p:anim calcmode="lin" valueType="num">
-                                      <p:cBhvr>
-                                        <p:cTn id="39" dur="500" fill="hold"/>
-                                        <p:tgtEl>
-                                          <p:spTgt spid="53"/>
-                                        </p:tgtEl>
-                                        <p:attrNameLst>
-                                          <p:attrName>ppt_h</p:attrName>
-                                        </p:attrNameLst>
-                                      </p:cBhvr>
-                                      <p:tavLst>
-                                        <p:tav tm="0">
-                                          <p:val>
-                                            <p:fltVal val="0"/>
-                                          </p:val>
-                                        </p:tav>
-                                        <p:tav tm="100000">
-                                          <p:val>
-                                            <p:strVal val="#ppt_h"/>
-                                          </p:val>
-                                        </p:tav>
-                                      </p:tavLst>
-                                    </p:anim>
-                                    <p:animEffect transition="in" filter="fade">
-                                      <p:cBhvr>
-                                        <p:cTn id="40" dur="500"/>
-                                        <p:tgtEl>
-                                          <p:spTgt spid="53"/>
-                                        </p:tgtEl>
-                                      </p:cBhvr>
-                                    </p:animEffect>
-                                  </p:childTnLst>
-                                </p:cTn>
-                              </p:par>
-                              <p:par>
-                                <p:cTn id="41" presetID="17" presetClass="entr" presetSubtype="10" fill="hold" nodeType="withEffect">
-                                  <p:stCondLst>
-                                    <p:cond delay="500"/>
-                                  </p:stCondLst>
-                                  <p:childTnLst>
-                                    <p:set>
-                                      <p:cBhvr>
-                                        <p:cTn id="42" dur="1" fill="hold">
-                                          <p:stCondLst>
-                                            <p:cond delay="0"/>
-                                          </p:stCondLst>
-                                        </p:cTn>
-                                        <p:tgtEl>
-                                          <p:spTgt spid="57"/>
-                                        </p:tgtEl>
-                                        <p:attrNameLst>
-                                          <p:attrName>style.visibility</p:attrName>
-                                        </p:attrNameLst>
-                                      </p:cBhvr>
-                                      <p:to>
-                                        <p:strVal val="visible"/>
-                                      </p:to>
-                                    </p:set>
-                                    <p:anim calcmode="lin" valueType="num">
-                                      <p:cBhvr>
-                                        <p:cTn id="43" dur="500" fill="hold"/>
-                                        <p:tgtEl>
-                                          <p:spTgt spid="57"/>
-                                        </p:tgtEl>
-                                        <p:attrNameLst>
-                                          <p:attrName>ppt_w</p:attrName>
-                                        </p:attrNameLst>
-                                      </p:cBhvr>
-                                      <p:tavLst>
-                                        <p:tav tm="0">
-                                          <p:val>
-                                            <p:fltVal val="0"/>
-                                          </p:val>
-                                        </p:tav>
-                                        <p:tav tm="100000">
-                                          <p:val>
-                                            <p:strVal val="#ppt_w"/>
-                                          </p:val>
-                                        </p:tav>
-                                      </p:tavLst>
-                                    </p:anim>
-                                    <p:anim calcmode="lin" valueType="num">
-                                      <p:cBhvr>
-                                        <p:cTn id="44" dur="500" fill="hold"/>
-                                        <p:tgtEl>
-                                          <p:spTgt spid="57"/>
-                                        </p:tgtEl>
-                                        <p:attrNameLst>
-                                          <p:attrName>ppt_h</p:attrName>
-                                        </p:attrNameLst>
-                                      </p:cBhvr>
-                                      <p:tavLst>
-                                        <p:tav tm="0">
-                                          <p:val>
-                                            <p:strVal val="#ppt_h"/>
-                                          </p:val>
-                                        </p:tav>
-                                        <p:tav tm="100000">
-                                          <p:val>
-                                            <p:strVal val="#ppt_h"/>
-                                          </p:val>
-                                        </p:tav>
-                                      </p:tavLst>
-                                    </p:anim>
-                                  </p:childTnLst>
-                                </p:cTn>
-                              </p:par>
-                              <p:par>
-                                <p:cTn id="45" presetID="17" presetClass="entr" presetSubtype="10" fill="hold" nodeType="withEffect">
-                                  <p:stCondLst>
-                                    <p:cond delay="500"/>
-                                  </p:stCondLst>
-                                  <p:childTnLst>
-                                    <p:set>
-                                      <p:cBhvr>
-                                        <p:cTn id="46" dur="1" fill="hold">
-                                          <p:stCondLst>
-                                            <p:cond delay="0"/>
-                                          </p:stCondLst>
-                                        </p:cTn>
-                                        <p:tgtEl>
-                                          <p:spTgt spid="58"/>
-                                        </p:tgtEl>
-                                        <p:attrNameLst>
-                                          <p:attrName>style.visibility</p:attrName>
-                                        </p:attrNameLst>
-                                      </p:cBhvr>
-                                      <p:to>
-                                        <p:strVal val="visible"/>
-                                      </p:to>
-                                    </p:set>
-                                    <p:anim calcmode="lin" valueType="num">
-                                      <p:cBhvr>
-                                        <p:cTn id="47" dur="500" fill="hold"/>
-                                        <p:tgtEl>
-                                          <p:spTgt spid="58"/>
-                                        </p:tgtEl>
-                                        <p:attrNameLst>
-                                          <p:attrName>ppt_w</p:attrName>
-                                        </p:attrNameLst>
-                                      </p:cBhvr>
-                                      <p:tavLst>
-                                        <p:tav tm="0">
-                                          <p:val>
-                                            <p:fltVal val="0"/>
-                                          </p:val>
-                                        </p:tav>
-                                        <p:tav tm="100000">
-                                          <p:val>
-                                            <p:strVal val="#ppt_w"/>
-                                          </p:val>
-                                        </p:tav>
-                                      </p:tavLst>
-                                    </p:anim>
-                                    <p:anim calcmode="lin" valueType="num">
-                                      <p:cBhvr>
-                                        <p:cTn id="48" dur="500" fill="hold"/>
-                                        <p:tgtEl>
-                                          <p:spTgt spid="58"/>
-                                        </p:tgtEl>
-                                        <p:attrNameLst>
-                                          <p:attrName>ppt_h</p:attrName>
-                                        </p:attrNameLst>
-                                      </p:cBhvr>
-                                      <p:tavLst>
-                                        <p:tav tm="0">
-                                          <p:val>
-                                            <p:strVal val="#ppt_h"/>
-                                          </p:val>
-                                        </p:tav>
-                                        <p:tav tm="100000">
-                                          <p:val>
-                                            <p:strVal val="#ppt_h"/>
-                                          </p:val>
-                                        </p:tav>
-                                      </p:tavLst>
-                                    </p:anim>
-                                  </p:childTnLst>
-                                </p:cTn>
-                              </p:par>
-                              <p:par>
-                                <p:cTn id="49" presetID="17" presetClass="entr" presetSubtype="10" fill="hold" nodeType="withEffect">
-                                  <p:stCondLst>
-                                    <p:cond delay="500"/>
-                                  </p:stCondLst>
-                                  <p:childTnLst>
-                                    <p:set>
-                                      <p:cBhvr>
-                                        <p:cTn id="50" dur="1" fill="hold">
-                                          <p:stCondLst>
-                                            <p:cond delay="0"/>
-                                          </p:stCondLst>
-                                        </p:cTn>
-                                        <p:tgtEl>
-                                          <p:spTgt spid="64"/>
-                                        </p:tgtEl>
-                                        <p:attrNameLst>
-                                          <p:attrName>style.visibility</p:attrName>
-                                        </p:attrNameLst>
-                                      </p:cBhvr>
-                                      <p:to>
-                                        <p:strVal val="visible"/>
-                                      </p:to>
-                                    </p:set>
-                                    <p:anim calcmode="lin" valueType="num">
-                                      <p:cBhvr>
-                                        <p:cTn id="51" dur="500" fill="hold"/>
-                                        <p:tgtEl>
-                                          <p:spTgt spid="64"/>
-                                        </p:tgtEl>
-                                        <p:attrNameLst>
-                                          <p:attrName>ppt_w</p:attrName>
-                                        </p:attrNameLst>
-                                      </p:cBhvr>
-                                      <p:tavLst>
-                                        <p:tav tm="0">
-                                          <p:val>
-                                            <p:fltVal val="0"/>
-                                          </p:val>
-                                        </p:tav>
-                                        <p:tav tm="100000">
-                                          <p:val>
-                                            <p:strVal val="#ppt_w"/>
-                                          </p:val>
-                                        </p:tav>
-                                      </p:tavLst>
-                                    </p:anim>
-                                    <p:anim calcmode="lin" valueType="num">
-                                      <p:cBhvr>
-                                        <p:cTn id="52" dur="500" fill="hold"/>
-                                        <p:tgtEl>
-                                          <p:spTgt spid="64"/>
-                                        </p:tgtEl>
-                                        <p:attrNameLst>
-                                          <p:attrName>ppt_h</p:attrName>
-                                        </p:attrNameLst>
-                                      </p:cBhvr>
-                                      <p:tavLst>
-                                        <p:tav tm="0">
-                                          <p:val>
-                                            <p:strVal val="#ppt_h"/>
-                                          </p:val>
-                                        </p:tav>
-                                        <p:tav tm="100000">
-                                          <p:val>
-                                            <p:strVal val="#ppt_h"/>
-                                          </p:val>
-                                        </p:tav>
-                                      </p:tavLst>
-                                    </p:anim>
-                                  </p:childTnLst>
-                                </p:cTn>
-                              </p:par>
-                              <p:par>
-                                <p:cTn id="53" presetID="17" presetClass="entr" presetSubtype="10" fill="hold" nodeType="withEffect">
-                                  <p:stCondLst>
-                                    <p:cond delay="500"/>
-                                  </p:stCondLst>
-                                  <p:childTnLst>
-                                    <p:set>
-                                      <p:cBhvr>
-                                        <p:cTn id="54" dur="1" fill="hold">
-                                          <p:stCondLst>
-                                            <p:cond delay="0"/>
-                                          </p:stCondLst>
-                                        </p:cTn>
-                                        <p:tgtEl>
-                                          <p:spTgt spid="62"/>
-                                        </p:tgtEl>
-                                        <p:attrNameLst>
-                                          <p:attrName>style.visibility</p:attrName>
-                                        </p:attrNameLst>
-                                      </p:cBhvr>
-                                      <p:to>
-                                        <p:strVal val="visible"/>
-                                      </p:to>
-                                    </p:set>
-                                    <p:anim calcmode="lin" valueType="num">
-                                      <p:cBhvr>
-                                        <p:cTn id="55" dur="500" fill="hold"/>
-                                        <p:tgtEl>
-                                          <p:spTgt spid="62"/>
-                                        </p:tgtEl>
-                                        <p:attrNameLst>
-                                          <p:attrName>ppt_w</p:attrName>
-                                        </p:attrNameLst>
-                                      </p:cBhvr>
-                                      <p:tavLst>
-                                        <p:tav tm="0">
-                                          <p:val>
-                                            <p:fltVal val="0"/>
-                                          </p:val>
-                                        </p:tav>
-                                        <p:tav tm="100000">
-                                          <p:val>
-                                            <p:strVal val="#ppt_w"/>
-                                          </p:val>
-                                        </p:tav>
-                                      </p:tavLst>
-                                    </p:anim>
-                                    <p:anim calcmode="lin" valueType="num">
-                                      <p:cBhvr>
-                                        <p:cTn id="56" dur="500" fill="hold"/>
-                                        <p:tgtEl>
-                                          <p:spTgt spid="62"/>
-                                        </p:tgtEl>
-                                        <p:attrNameLst>
-                                          <p:attrName>ppt_h</p:attrName>
-                                        </p:attrNameLst>
-                                      </p:cBhvr>
-                                      <p:tavLst>
-                                        <p:tav tm="0">
-                                          <p:val>
-                                            <p:strVal val="#ppt_h"/>
-                                          </p:val>
-                                        </p:tav>
-                                        <p:tav tm="100000">
-                                          <p:val>
-                                            <p:strVal val="#ppt_h"/>
-                                          </p:val>
-                                        </p:tav>
-                                      </p:tavLst>
-                                    </p:anim>
-                                  </p:childTnLst>
-                                </p:cTn>
-                              </p:par>
-                              <p:par>
-                                <p:cTn id="57" presetID="42" presetClass="entr" presetSubtype="0" fill="hold" grpId="0" nodeType="withEffect">
-                                  <p:stCondLst>
-                                    <p:cond delay="500"/>
-                                  </p:stCondLst>
-                                  <p:childTnLst>
-                                    <p:set>
-                                      <p:cBhvr>
-                                        <p:cTn id="58" dur="1" fill="hold">
-                                          <p:stCondLst>
-                                            <p:cond delay="0"/>
-                                          </p:stCondLst>
-                                        </p:cTn>
-                                        <p:tgtEl>
-                                          <p:spTgt spid="66"/>
-                                        </p:tgtEl>
-                                        <p:attrNameLst>
-                                          <p:attrName>style.visibility</p:attrName>
-                                        </p:attrNameLst>
-                                      </p:cBhvr>
-                                      <p:to>
-                                        <p:strVal val="visible"/>
-                                      </p:to>
-                                    </p:set>
-                                    <p:animEffect transition="in" filter="fade">
-                                      <p:cBhvr>
-                                        <p:cTn id="59" dur="500"/>
-                                        <p:tgtEl>
-                                          <p:spTgt spid="66"/>
-                                        </p:tgtEl>
-                                      </p:cBhvr>
-                                    </p:animEffect>
-                                    <p:anim calcmode="lin" valueType="num">
-                                      <p:cBhvr>
-                                        <p:cTn id="60" dur="500" fill="hold"/>
-                                        <p:tgtEl>
-                                          <p:spTgt spid="66"/>
-                                        </p:tgtEl>
-                                        <p:attrNameLst>
-                                          <p:attrName>ppt_x</p:attrName>
-                                        </p:attrNameLst>
-                                      </p:cBhvr>
-                                      <p:tavLst>
-                                        <p:tav tm="0">
-                                          <p:val>
-                                            <p:strVal val="#ppt_x"/>
-                                          </p:val>
-                                        </p:tav>
-                                        <p:tav tm="100000">
-                                          <p:val>
-                                            <p:strVal val="#ppt_x"/>
-                                          </p:val>
-                                        </p:tav>
-                                      </p:tavLst>
-                                    </p:anim>
-                                    <p:anim calcmode="lin" valueType="num">
-                                      <p:cBhvr>
-                                        <p:cTn id="61" dur="500" fill="hold"/>
-                                        <p:tgtEl>
-                                          <p:spTgt spid="66"/>
-                                        </p:tgtEl>
-                                        <p:attrNameLst>
-                                          <p:attrName>ppt_y</p:attrName>
-                                        </p:attrNameLst>
-                                      </p:cBhvr>
-                                      <p:tavLst>
-                                        <p:tav tm="0">
-                                          <p:val>
-                                            <p:strVal val="#ppt_y+.1"/>
-                                          </p:val>
-                                        </p:tav>
-                                        <p:tav tm="100000">
-                                          <p:val>
-                                            <p:strVal val="#ppt_y"/>
-                                          </p:val>
-                                        </p:tav>
-                                      </p:tavLst>
-                                    </p:anim>
-                                  </p:childTnLst>
-                                </p:cTn>
-                              </p:par>
                             </p:childTnLst>
                           </p:cTn>
                         </p:par>
@@ -44626,7 +41388,6 @@
     </p:tnLst>
     <p:bldLst>
       <p:bldP spid="18" grpId="0"/>
-      <p:bldP spid="66" grpId="0"/>
     </p:bldLst>
   </p:timing>
 </p:sld>
